--- a/Monitoria_COQ791_07_10_2024.pptx
+++ b/Monitoria_COQ791_07_10_2024.pptx
@@ -5,35 +5,38 @@
     <p:sldMasterId id="2147483648" r:id="rId1"/>
   </p:sldMasterIdLst>
   <p:notesMasterIdLst>
-    <p:notesMasterId r:id="rId6"/>
+    <p:notesMasterId r:id="rId9"/>
   </p:notesMasterIdLst>
   <p:sldIdLst>
     <p:sldId id="256" r:id="rId2"/>
-    <p:sldId id="276" r:id="rId3"/>
-    <p:sldId id="290" r:id="rId4"/>
-    <p:sldId id="291" r:id="rId5"/>
+    <p:sldId id="257" r:id="rId3"/>
+    <p:sldId id="276" r:id="rId4"/>
+    <p:sldId id="292" r:id="rId5"/>
+    <p:sldId id="290" r:id="rId6"/>
+    <p:sldId id="293" r:id="rId7"/>
+    <p:sldId id="291" r:id="rId8"/>
   </p:sldIdLst>
   <p:sldSz cx="18288000" cy="10287000"/>
   <p:notesSz cx="6858000" cy="9144000"/>
   <p:embeddedFontLst>
     <p:embeddedFont>
       <p:font typeface="Calibri" panose="020F0502020204030204" pitchFamily="34" charset="0"/>
-      <p:regular r:id="rId7"/>
-      <p:bold r:id="rId8"/>
-      <p:italic r:id="rId9"/>
-      <p:boldItalic r:id="rId10"/>
+      <p:regular r:id="rId10"/>
+      <p:bold r:id="rId11"/>
+      <p:italic r:id="rId12"/>
+      <p:boldItalic r:id="rId13"/>
     </p:embeddedFont>
     <p:embeddedFont>
       <p:font typeface="HK Grotesk" panose="020B0604020202020204" charset="0"/>
-      <p:regular r:id="rId11"/>
+      <p:regular r:id="rId14"/>
     </p:embeddedFont>
     <p:embeddedFont>
       <p:font typeface="HK Grotesk Bold" panose="020B0604020202020204" charset="0"/>
-      <p:regular r:id="rId12"/>
+      <p:regular r:id="rId15"/>
     </p:embeddedFont>
     <p:embeddedFont>
       <p:font typeface="HK Grotesk Medium" panose="020B0604020202020204" charset="0"/>
-      <p:regular r:id="rId13"/>
+      <p:regular r:id="rId16"/>
     </p:embeddedFont>
   </p:embeddedFontLst>
   <p:defaultTextStyle>
@@ -232,7 +235,7 @@
           <a:p>
             <a:fld id="{0B5722EB-0CDE-436D-97B1-4C8C7FD47128}" type="datetimeFigureOut">
               <a:rPr lang="pt-BR" smtClean="0"/>
-              <a:t>10/07/2024</a:t>
+              <a:t>12/07/2024</a:t>
             </a:fld>
             <a:endParaRPr lang="pt-BR"/>
           </a:p>
@@ -679,7 +682,7 @@
             <a:fld id="{1D8BD707-D9CF-40AE-B4C6-C98DA3205C09}" type="datetimeFigureOut">
               <a:rPr lang="en-US" smtClean="0"/>
               <a:pPr/>
-              <a:t>7/10/2024</a:t>
+              <a:t>7/12/2024</a:t>
             </a:fld>
             <a:endParaRPr lang="en-US"/>
           </a:p>
@@ -844,7 +847,7 @@
             <a:fld id="{1D8BD707-D9CF-40AE-B4C6-C98DA3205C09}" type="datetimeFigureOut">
               <a:rPr lang="en-US" smtClean="0"/>
               <a:pPr/>
-              <a:t>7/10/2024</a:t>
+              <a:t>7/12/2024</a:t>
             </a:fld>
             <a:endParaRPr lang="en-US"/>
           </a:p>
@@ -1019,7 +1022,7 @@
             <a:fld id="{1D8BD707-D9CF-40AE-B4C6-C98DA3205C09}" type="datetimeFigureOut">
               <a:rPr lang="en-US" smtClean="0"/>
               <a:pPr/>
-              <a:t>7/10/2024</a:t>
+              <a:t>7/12/2024</a:t>
             </a:fld>
             <a:endParaRPr lang="en-US"/>
           </a:p>
@@ -1184,7 +1187,7 @@
             <a:fld id="{1D8BD707-D9CF-40AE-B4C6-C98DA3205C09}" type="datetimeFigureOut">
               <a:rPr lang="en-US" smtClean="0"/>
               <a:pPr/>
-              <a:t>7/10/2024</a:t>
+              <a:t>7/12/2024</a:t>
             </a:fld>
             <a:endParaRPr lang="en-US"/>
           </a:p>
@@ -1426,7 +1429,7 @@
             <a:fld id="{1D8BD707-D9CF-40AE-B4C6-C98DA3205C09}" type="datetimeFigureOut">
               <a:rPr lang="en-US" smtClean="0"/>
               <a:pPr/>
-              <a:t>7/10/2024</a:t>
+              <a:t>7/12/2024</a:t>
             </a:fld>
             <a:endParaRPr lang="en-US"/>
           </a:p>
@@ -1708,7 +1711,7 @@
             <a:fld id="{1D8BD707-D9CF-40AE-B4C6-C98DA3205C09}" type="datetimeFigureOut">
               <a:rPr lang="en-US" smtClean="0"/>
               <a:pPr/>
-              <a:t>7/10/2024</a:t>
+              <a:t>7/12/2024</a:t>
             </a:fld>
             <a:endParaRPr lang="en-US"/>
           </a:p>
@@ -2124,7 +2127,7 @@
             <a:fld id="{1D8BD707-D9CF-40AE-B4C6-C98DA3205C09}" type="datetimeFigureOut">
               <a:rPr lang="en-US" smtClean="0"/>
               <a:pPr/>
-              <a:t>7/10/2024</a:t>
+              <a:t>7/12/2024</a:t>
             </a:fld>
             <a:endParaRPr lang="en-US"/>
           </a:p>
@@ -2238,7 +2241,7 @@
             <a:fld id="{1D8BD707-D9CF-40AE-B4C6-C98DA3205C09}" type="datetimeFigureOut">
               <a:rPr lang="en-US" smtClean="0"/>
               <a:pPr/>
-              <a:t>7/10/2024</a:t>
+              <a:t>7/12/2024</a:t>
             </a:fld>
             <a:endParaRPr lang="en-US"/>
           </a:p>
@@ -2330,7 +2333,7 @@
             <a:fld id="{1D8BD707-D9CF-40AE-B4C6-C98DA3205C09}" type="datetimeFigureOut">
               <a:rPr lang="en-US" smtClean="0"/>
               <a:pPr/>
-              <a:t>7/10/2024</a:t>
+              <a:t>7/12/2024</a:t>
             </a:fld>
             <a:endParaRPr lang="en-US"/>
           </a:p>
@@ -2602,7 +2605,7 @@
             <a:fld id="{1D8BD707-D9CF-40AE-B4C6-C98DA3205C09}" type="datetimeFigureOut">
               <a:rPr lang="en-US" smtClean="0"/>
               <a:pPr/>
-              <a:t>7/10/2024</a:t>
+              <a:t>7/12/2024</a:t>
             </a:fld>
             <a:endParaRPr lang="en-US"/>
           </a:p>
@@ -2851,7 +2854,7 @@
             <a:fld id="{1D8BD707-D9CF-40AE-B4C6-C98DA3205C09}" type="datetimeFigureOut">
               <a:rPr lang="en-US" smtClean="0"/>
               <a:pPr/>
-              <a:t>7/10/2024</a:t>
+              <a:t>7/12/2024</a:t>
             </a:fld>
             <a:endParaRPr lang="en-US"/>
           </a:p>
@@ -3059,7 +3062,7 @@
             <a:fld id="{1D8BD707-D9CF-40AE-B4C6-C98DA3205C09}" type="datetimeFigureOut">
               <a:rPr lang="en-US" smtClean="0"/>
               <a:pPr/>
-              <a:t>7/10/2024</a:t>
+              <a:t>7/12/2024</a:t>
             </a:fld>
             <a:endParaRPr lang="en-US"/>
           </a:p>
@@ -4010,7 +4013,7 @@
                 </a:solidFill>
                 <a:latin typeface="HK Grotesk Bold"/>
               </a:rPr>
-              <a:t>Resolução de Equações Matemáticas e Equações Diferenciais em Python</a:t>
+              <a:t>M1: Resolução de Equações Algébricas e Equações Diferenciais Ordinárias em Python</a:t>
             </a:r>
             <a:endParaRPr lang="en-US" sz="5319" dirty="0">
               <a:solidFill>
@@ -4048,79 +4051,52 @@
       </p:grpSpPr>
       <p:sp>
         <p:nvSpPr>
-          <p:cNvPr id="2" name="TextBox 2"/>
+          <p:cNvPr id="3" name="TextBox 3"/>
           <p:cNvSpPr txBox="1"/>
           <p:nvPr/>
         </p:nvSpPr>
         <p:spPr>
           <a:xfrm>
-            <a:off x="1541266" y="1108024"/>
-            <a:ext cx="12496800" cy="1092479"/>
+            <a:off x="15985595" y="1019175"/>
+            <a:ext cx="1273705" cy="390297"/>
           </a:xfrm>
           <a:prstGeom prst="rect">
             <a:avLst/>
           </a:prstGeom>
         </p:spPr>
         <p:txBody>
-          <a:bodyPr wrap="square" lIns="0" tIns="0" rIns="0" bIns="0" rtlCol="0" anchor="t">
+          <a:bodyPr lIns="0" tIns="0" rIns="0" bIns="0" rtlCol="0" anchor="t">
             <a:spAutoFit/>
           </a:bodyPr>
           <a:lstStyle/>
           <a:p>
-            <a:pPr>
+            <a:pPr algn="r">
               <a:lnSpc>
-                <a:spcPts val="9223"/>
+                <a:spcPts val="3000"/>
               </a:lnSpc>
             </a:pPr>
             <a:r>
-              <a:rPr lang="en-US" sz="5400" dirty="0" err="1">
+              <a:rPr lang="en-US" sz="2500" dirty="0">
                 <a:solidFill>
-                  <a:srgbClr val="753134"/>
+                  <a:srgbClr val="191824"/>
                 </a:solidFill>
-                <a:latin typeface="HK Grotesk Bold"/>
+                <a:latin typeface="HK Grotesk Medium"/>
               </a:rPr>
-              <a:t>Curva</a:t>
-            </a:r>
-            <a:r>
-              <a:rPr lang="en-US" sz="5400" dirty="0">
-                <a:solidFill>
-                  <a:srgbClr val="753134"/>
-                </a:solidFill>
-                <a:latin typeface="HK Grotesk Bold"/>
-              </a:rPr>
-              <a:t> de </a:t>
-            </a:r>
-            <a:r>
-              <a:rPr lang="en-US" sz="5400" dirty="0" err="1">
-                <a:solidFill>
-                  <a:srgbClr val="753134"/>
-                </a:solidFill>
-                <a:latin typeface="HK Grotesk Bold"/>
-              </a:rPr>
-              <a:t>Calor</a:t>
-            </a:r>
-            <a:r>
-              <a:rPr lang="en-US" sz="5400" dirty="0">
-                <a:solidFill>
-                  <a:srgbClr val="753134"/>
-                </a:solidFill>
-                <a:latin typeface="HK Grotesk Bold"/>
-              </a:rPr>
-              <a:t> Gerado</a:t>
-            </a:r>
-          </a:p>
-        </p:txBody>
-      </p:sp>
-      <p:sp>
-        <p:nvSpPr>
-          <p:cNvPr id="3" name="Freeform 3"/>
+              <a:t>02</a:t>
+            </a:r>
+          </a:p>
+        </p:txBody>
+      </p:sp>
+      <p:sp>
+        <p:nvSpPr>
+          <p:cNvPr id="4" name="Freeform 4"/>
           <p:cNvSpPr/>
           <p:nvPr/>
         </p:nvSpPr>
         <p:spPr>
-          <a:xfrm rot="4593668">
-            <a:off x="-821597" y="-1137424"/>
-            <a:ext cx="3428735" cy="2855202"/>
+          <a:xfrm rot="1895548">
+            <a:off x="-3553259" y="867376"/>
+            <a:ext cx="8123204" cy="6764414"/>
           </a:xfrm>
           <a:custGeom>
             <a:avLst/>
@@ -4129,18 +4105,18 @@
             <a:cxnLst/>
             <a:rect l="l" t="t" r="r" b="b"/>
             <a:pathLst>
-              <a:path w="3428735" h="2855202">
+              <a:path w="8123204" h="6764414">
                 <a:moveTo>
                   <a:pt x="0" y="0"/>
                 </a:moveTo>
                 <a:lnTo>
-                  <a:pt x="3428735" y="0"/>
-                </a:lnTo>
-                <a:lnTo>
-                  <a:pt x="3428735" y="2855202"/>
-                </a:lnTo>
-                <a:lnTo>
-                  <a:pt x="0" y="2855202"/>
+                  <a:pt x="8123204" y="0"/>
+                </a:lnTo>
+                <a:lnTo>
+                  <a:pt x="8123204" y="6764414"/>
+                </a:lnTo>
+                <a:lnTo>
+                  <a:pt x="0" y="6764414"/>
                 </a:lnTo>
                 <a:lnTo>
                   <a:pt x="0" y="0"/>
@@ -4172,14 +4148,14 @@
       </p:sp>
       <p:sp>
         <p:nvSpPr>
-          <p:cNvPr id="4" name="Freeform 4"/>
+          <p:cNvPr id="5" name="Freeform 5"/>
           <p:cNvSpPr/>
           <p:nvPr/>
         </p:nvSpPr>
         <p:spPr>
-          <a:xfrm rot="4472035">
-            <a:off x="-1406320" y="-1257006"/>
-            <a:ext cx="3294899" cy="2743752"/>
+          <a:xfrm rot="1773915">
+            <a:off x="-4277720" y="1004341"/>
+            <a:ext cx="7806124" cy="6500373"/>
           </a:xfrm>
           <a:custGeom>
             <a:avLst/>
@@ -4188,18 +4164,18 @@
             <a:cxnLst/>
             <a:rect l="l" t="t" r="r" b="b"/>
             <a:pathLst>
-              <a:path w="3294899" h="2743752">
+              <a:path w="7806124" h="6500373">
                 <a:moveTo>
                   <a:pt x="0" y="0"/>
                 </a:moveTo>
                 <a:lnTo>
-                  <a:pt x="3294899" y="0"/>
-                </a:lnTo>
-                <a:lnTo>
-                  <a:pt x="3294899" y="2743752"/>
-                </a:lnTo>
-                <a:lnTo>
-                  <a:pt x="0" y="2743752"/>
+                  <a:pt x="7806125" y="0"/>
+                </a:lnTo>
+                <a:lnTo>
+                  <a:pt x="7806125" y="6500372"/>
+                </a:lnTo>
+                <a:lnTo>
+                  <a:pt x="0" y="6500372"/>
                 </a:lnTo>
                 <a:lnTo>
                   <a:pt x="0" y="0"/>
@@ -4231,14 +4207,14 @@
       </p:sp>
       <p:sp>
         <p:nvSpPr>
-          <p:cNvPr id="5" name="Freeform 5"/>
+          <p:cNvPr id="6" name="Freeform 6"/>
           <p:cNvSpPr/>
           <p:nvPr/>
         </p:nvSpPr>
         <p:spPr>
-          <a:xfrm rot="-5535370">
-            <a:off x="-1225371" y="-1400725"/>
-            <a:ext cx="2450742" cy="2685076"/>
+          <a:xfrm rot="8269650">
+            <a:off x="-1434050" y="2759093"/>
+            <a:ext cx="4352627" cy="4768815"/>
           </a:xfrm>
           <a:custGeom>
             <a:avLst/>
@@ -4247,18 +4223,18 @@
             <a:cxnLst/>
             <a:rect l="l" t="t" r="r" b="b"/>
             <a:pathLst>
-              <a:path w="2450742" h="2685076">
+              <a:path w="4352627" h="4768815">
                 <a:moveTo>
                   <a:pt x="0" y="0"/>
                 </a:moveTo>
                 <a:lnTo>
-                  <a:pt x="2450742" y="0"/>
-                </a:lnTo>
-                <a:lnTo>
-                  <a:pt x="2450742" y="2685076"/>
-                </a:lnTo>
-                <a:lnTo>
-                  <a:pt x="0" y="2685076"/>
+                  <a:pt x="4352627" y="0"/>
+                </a:lnTo>
+                <a:lnTo>
+                  <a:pt x="4352627" y="4768814"/>
+                </a:lnTo>
+                <a:lnTo>
+                  <a:pt x="0" y="4768814"/>
                 </a:lnTo>
                 <a:lnTo>
                   <a:pt x="0" y="0"/>
@@ -4290,150 +4266,88 @@
       </p:sp>
       <p:sp>
         <p:nvSpPr>
-          <p:cNvPr id="6" name="TextBox 6"/>
+          <p:cNvPr id="7" name="TextBox 2">
+            <a:extLst>
+              <a:ext uri="{FF2B5EF4-FFF2-40B4-BE49-F238E27FC236}">
+                <a16:creationId xmlns:a16="http://schemas.microsoft.com/office/drawing/2014/main" id="{2091E330-82F7-428F-AAFB-533D865435BC}"/>
+              </a:ext>
+            </a:extLst>
+          </p:cNvPr>
           <p:cNvSpPr txBox="1"/>
           <p:nvPr/>
         </p:nvSpPr>
         <p:spPr>
           <a:xfrm>
-            <a:off x="15985595" y="1019175"/>
-            <a:ext cx="1273705" cy="390297"/>
+            <a:off x="3114743" y="3444381"/>
+            <a:ext cx="9753600" cy="3398238"/>
           </a:xfrm>
           <a:prstGeom prst="rect">
             <a:avLst/>
           </a:prstGeom>
         </p:spPr>
         <p:txBody>
-          <a:bodyPr lIns="0" tIns="0" rIns="0" bIns="0" rtlCol="0" anchor="t">
+          <a:bodyPr wrap="square" lIns="0" tIns="0" rIns="0" bIns="0" rtlCol="0" anchor="t">
             <a:spAutoFit/>
           </a:bodyPr>
           <a:lstStyle/>
           <a:p>
-            <a:pPr algn="r">
+            <a:pPr>
               <a:lnSpc>
-                <a:spcPts val="3000"/>
+                <a:spcPts val="9223"/>
               </a:lnSpc>
             </a:pPr>
             <a:r>
-              <a:rPr lang="en-US" sz="2500" dirty="0">
+              <a:rPr lang="en-US" sz="4000" dirty="0">
                 <a:solidFill>
-                  <a:srgbClr val="191824"/>
+                  <a:srgbClr val="753134"/>
                 </a:solidFill>
-                <a:latin typeface="HK Grotesk Medium"/>
+                <a:effectLst>
+                  <a:outerShdw blurRad="38100" dist="38100" dir="2700000" algn="tl">
+                    <a:srgbClr val="000000">
+                      <a:alpha val="43137"/>
+                    </a:srgbClr>
+                  </a:outerShdw>
+                </a:effectLst>
+                <a:latin typeface="HK Grotesk Bold"/>
               </a:rPr>
-              <a:t>01</a:t>
-            </a:r>
-          </a:p>
-        </p:txBody>
-      </p:sp>
-      <p:sp>
-        <p:nvSpPr>
-          <p:cNvPr id="7" name="TextBox 6">
-            <a:extLst>
-              <a:ext uri="{FF2B5EF4-FFF2-40B4-BE49-F238E27FC236}">
-                <a16:creationId xmlns:a16="http://schemas.microsoft.com/office/drawing/2014/main" id="{891D8E6C-80EB-4E81-B504-AAF2F9022403}"/>
-              </a:ext>
-            </a:extLst>
-          </p:cNvPr>
-          <p:cNvSpPr txBox="1"/>
-          <p:nvPr/>
-        </p:nvSpPr>
-        <p:spPr>
-          <a:xfrm>
-            <a:off x="10948400" y="2974197"/>
-            <a:ext cx="6179331" cy="1077218"/>
-          </a:xfrm>
-          <a:prstGeom prst="rect">
-            <a:avLst/>
-          </a:prstGeom>
-          <a:noFill/>
-        </p:spPr>
-        <p:txBody>
-          <a:bodyPr wrap="square" rtlCol="0">
-            <a:spAutoFit/>
-          </a:bodyPr>
-          <a:lstStyle/>
-          <a:p>
-            <a:r>
-              <a:rPr lang="pt-BR" sz="3200" dirty="0">
-                <a:latin typeface="Times New Roman" panose="02020603050405020304" pitchFamily="18" charset="0"/>
-                <a:cs typeface="Times New Roman" panose="02020603050405020304" pitchFamily="18" charset="0"/>
+              <a:t>CURVA DE CALOR GERADO</a:t>
+            </a:r>
+          </a:p>
+          <a:p>
+            <a:pPr>
+              <a:lnSpc>
+                <a:spcPts val="9223"/>
+              </a:lnSpc>
+            </a:pPr>
+            <a:r>
+              <a:rPr lang="en-US" sz="4000" dirty="0">
+                <a:solidFill>
+                  <a:srgbClr val="000000"/>
+                </a:solidFill>
+                <a:latin typeface="HK Grotesk Bold"/>
               </a:rPr>
-              <a:t>Variação da Temperatura do Estado Estacionário indo de 100K a 200K</a:t>
-            </a:r>
-            <a:endParaRPr lang="en-US" sz="3200" dirty="0">
-              <a:latin typeface="Times New Roman" panose="02020603050405020304" pitchFamily="18" charset="0"/>
-              <a:cs typeface="Times New Roman" panose="02020603050405020304" pitchFamily="18" charset="0"/>
-            </a:endParaRPr>
-          </a:p>
-        </p:txBody>
-      </p:sp>
-      <p:pic>
-        <p:nvPicPr>
-          <p:cNvPr id="9" name="Imagem 8">
-            <a:extLst>
-              <a:ext uri="{FF2B5EF4-FFF2-40B4-BE49-F238E27FC236}">
-                <a16:creationId xmlns:a16="http://schemas.microsoft.com/office/drawing/2014/main" id="{E1D1B30C-2A0D-4191-8717-CE3B52E86B9E}"/>
-              </a:ext>
-            </a:extLst>
-          </p:cNvPr>
-          <p:cNvPicPr>
-            <a:picLocks noChangeAspect="1"/>
-          </p:cNvPicPr>
-          <p:nvPr/>
-        </p:nvPicPr>
-        <p:blipFill>
-          <a:blip r:embed="rId8"/>
-          <a:stretch>
-            <a:fillRect/>
-          </a:stretch>
-        </p:blipFill>
-        <p:spPr>
-          <a:xfrm>
-            <a:off x="1385634" y="4703176"/>
-            <a:ext cx="9562766" cy="3569389"/>
-          </a:xfrm>
-          <a:prstGeom prst="rect">
-            <a:avLst/>
-          </a:prstGeom>
-        </p:spPr>
-      </p:pic>
-      <p:pic>
-        <p:nvPicPr>
-          <p:cNvPr id="11" name="Imagem 10">
-            <a:extLst>
-              <a:ext uri="{FF2B5EF4-FFF2-40B4-BE49-F238E27FC236}">
-                <a16:creationId xmlns:a16="http://schemas.microsoft.com/office/drawing/2014/main" id="{D5CACD58-9AC7-4B9F-8424-A6B55F023086}"/>
-              </a:ext>
-            </a:extLst>
-          </p:cNvPr>
-          <p:cNvPicPr>
-            <a:picLocks noChangeAspect="1"/>
-          </p:cNvPicPr>
-          <p:nvPr/>
-        </p:nvPicPr>
-        <p:blipFill>
-          <a:blip r:embed="rId9"/>
-          <a:stretch>
-            <a:fillRect/>
-          </a:stretch>
-        </p:blipFill>
-        <p:spPr>
-          <a:xfrm>
-            <a:off x="11734801" y="4215898"/>
-            <a:ext cx="4800600" cy="5731894"/>
-          </a:xfrm>
-          <a:prstGeom prst="rect">
-            <a:avLst/>
-          </a:prstGeom>
-        </p:spPr>
-      </p:pic>
+              <a:t>CSTR – MODELO M6</a:t>
+            </a:r>
+          </a:p>
+          <a:p>
+            <a:pPr>
+              <a:lnSpc>
+                <a:spcPts val="9223"/>
+              </a:lnSpc>
+            </a:pPr>
+            <a:r>
+              <a:rPr lang="en-US" sz="4000" dirty="0">
+                <a:solidFill>
+                  <a:srgbClr val="000000"/>
+                </a:solidFill>
+                <a:latin typeface="HK Grotesk Bold"/>
+              </a:rPr>
+              <a:t>REATOR BATELADA – REAÇÃO EM SÉRIE</a:t>
+            </a:r>
+          </a:p>
+        </p:txBody>
+      </p:sp>
     </p:spTree>
-    <p:extLst>
-      <p:ext uri="{BB962C8B-B14F-4D97-AF65-F5344CB8AC3E}">
-        <p14:creationId xmlns:p14="http://schemas.microsoft.com/office/powerpoint/2010/main" val="3754948231"/>
-      </p:ext>
-    </p:extLst>
   </p:cSld>
   <p:clrMapOvr>
     <a:masterClrMapping/>
@@ -4466,8 +4380,8 @@
         </p:nvSpPr>
         <p:spPr>
           <a:xfrm>
-            <a:off x="1541265" y="1108024"/>
-            <a:ext cx="15718035" cy="1092479"/>
+            <a:off x="1541266" y="1108024"/>
+            <a:ext cx="12496800" cy="1092479"/>
           </a:xfrm>
           <a:prstGeom prst="rect">
             <a:avLst/>
@@ -4485,20 +4399,41 @@
               </a:lnSpc>
             </a:pPr>
             <a:r>
-              <a:rPr lang="pt-BR" sz="5400" dirty="0">
+              <a:rPr lang="en-US" sz="5400" dirty="0" err="1">
                 <a:solidFill>
                   <a:srgbClr val="753134"/>
                 </a:solidFill>
                 <a:latin typeface="HK Grotesk Bold"/>
               </a:rPr>
-              <a:t>CSTR – Modelo M6</a:t>
-            </a:r>
-            <a:endParaRPr lang="en-US" sz="5400" dirty="0">
-              <a:solidFill>
-                <a:srgbClr val="753134"/>
-              </a:solidFill>
-              <a:latin typeface="HK Grotesk Bold"/>
-            </a:endParaRPr>
+              <a:t>Curva</a:t>
+            </a:r>
+            <a:r>
+              <a:rPr lang="en-US" sz="5400" dirty="0">
+                <a:solidFill>
+                  <a:srgbClr val="753134"/>
+                </a:solidFill>
+                <a:latin typeface="HK Grotesk Bold"/>
+              </a:rPr>
+              <a:t> de </a:t>
+            </a:r>
+            <a:r>
+              <a:rPr lang="en-US" sz="5400" dirty="0" err="1">
+                <a:solidFill>
+                  <a:srgbClr val="753134"/>
+                </a:solidFill>
+                <a:latin typeface="HK Grotesk Bold"/>
+              </a:rPr>
+              <a:t>Calor</a:t>
+            </a:r>
+            <a:r>
+              <a:rPr lang="en-US" sz="5400" dirty="0">
+                <a:solidFill>
+                  <a:srgbClr val="753134"/>
+                </a:solidFill>
+                <a:latin typeface="HK Grotesk Bold"/>
+              </a:rPr>
+              <a:t> Gerado</a:t>
+            </a:r>
           </a:p>
         </p:txBody>
       </p:sp>
@@ -4712,7 +4647,7 @@
                 </a:solidFill>
                 <a:latin typeface="HK Grotesk Medium"/>
               </a:rPr>
-              <a:t>02</a:t>
+              <a:t>01</a:t>
             </a:r>
           </a:p>
         </p:txBody>
@@ -4731,8 +4666,8 @@
         </p:nvSpPr>
         <p:spPr>
           <a:xfrm>
-            <a:off x="10948400" y="2974197"/>
-            <a:ext cx="6179331" cy="1077218"/>
+            <a:off x="1389737" y="3162300"/>
+            <a:ext cx="9781232" cy="2554545"/>
           </a:xfrm>
           <a:prstGeom prst="rect">
             <a:avLst/>
@@ -4745,15 +4680,14 @@
           </a:bodyPr>
           <a:lstStyle/>
           <a:p>
+            <a:pPr algn="just"/>
             <a:r>
               <a:rPr lang="pt-BR" sz="3200" dirty="0">
-                <a:latin typeface="Times New Roman" panose="02020603050405020304" pitchFamily="18" charset="0"/>
                 <a:cs typeface="Times New Roman" panose="02020603050405020304" pitchFamily="18" charset="0"/>
               </a:rPr>
-              <a:t>Variando o vetor tempo entre 0 e 1 com 100 pontos no intervalo.</a:t>
+              <a:t>Durante a análise de um reator CSTR estacionário é possível calcular o calor gerado. A partir da fórmula a seguir, calcule o calor gerado para uma variação da Temperatura do Estado Estacionário indo de 100K a 200K e plote um gráfico a curva de calor gerado.</a:t>
             </a:r>
             <a:endParaRPr lang="en-US" sz="3200" dirty="0">
-              <a:latin typeface="Times New Roman" panose="02020603050405020304" pitchFamily="18" charset="0"/>
               <a:cs typeface="Times New Roman" panose="02020603050405020304" pitchFamily="18" charset="0"/>
             </a:endParaRPr>
           </a:p>
@@ -4781,8 +4715,8 @@
         </p:blipFill>
         <p:spPr>
           <a:xfrm>
-            <a:off x="11734801" y="4215898"/>
-            <a:ext cx="4800600" cy="5731894"/>
+            <a:off x="11734800" y="2628900"/>
+            <a:ext cx="5757891" cy="6874894"/>
           </a:xfrm>
           <a:prstGeom prst="rect">
             <a:avLst/>
@@ -4794,7 +4728,7 @@
           <p:cNvPr id="10" name="Imagem 9">
             <a:extLst>
               <a:ext uri="{FF2B5EF4-FFF2-40B4-BE49-F238E27FC236}">
-                <a16:creationId xmlns:a16="http://schemas.microsoft.com/office/drawing/2014/main" id="{B76F17F1-62EC-4B44-8579-9B9E9BDF0968}"/>
+                <a16:creationId xmlns:a16="http://schemas.microsoft.com/office/drawing/2014/main" id="{F8CC89B7-814A-42AE-A072-D9AB014240FE}"/>
               </a:ext>
             </a:extLst>
           </p:cNvPr>
@@ -4811,84 +4745,185 @@
         </p:blipFill>
         <p:spPr>
           <a:xfrm>
-            <a:off x="1160269" y="3760929"/>
-            <a:ext cx="9560829" cy="2765141"/>
+            <a:off x="2798224" y="6664605"/>
+            <a:ext cx="6964258" cy="1996126"/>
           </a:xfrm>
           <a:prstGeom prst="rect">
             <a:avLst/>
           </a:prstGeom>
-        </p:spPr>
-      </p:pic>
-      <p:pic>
-        <p:nvPicPr>
-          <p:cNvPr id="13" name="Imagem 12">
-            <a:extLst>
-              <a:ext uri="{FF2B5EF4-FFF2-40B4-BE49-F238E27FC236}">
-                <a16:creationId xmlns:a16="http://schemas.microsoft.com/office/drawing/2014/main" id="{FF9878CD-ACF5-4F06-BBA7-463916644F86}"/>
-              </a:ext>
-            </a:extLst>
-          </p:cNvPr>
-          <p:cNvPicPr>
-            <a:picLocks noChangeAspect="1"/>
-          </p:cNvPicPr>
-          <p:nvPr/>
-        </p:nvPicPr>
-        <p:blipFill>
-          <a:blip r:embed="rId10"/>
-          <a:stretch>
-            <a:fillRect/>
-          </a:stretch>
-        </p:blipFill>
-        <p:spPr>
-          <a:xfrm>
-            <a:off x="5436012" y="7429500"/>
-            <a:ext cx="3869313" cy="1241645"/>
-          </a:xfrm>
-          <a:prstGeom prst="rect">
-            <a:avLst/>
-          </a:prstGeom>
-        </p:spPr>
-      </p:pic>
-      <p:pic>
-        <p:nvPicPr>
-          <p:cNvPr id="17" name="Imagem 16">
-            <a:extLst>
-              <a:ext uri="{FF2B5EF4-FFF2-40B4-BE49-F238E27FC236}">
-                <a16:creationId xmlns:a16="http://schemas.microsoft.com/office/drawing/2014/main" id="{68D6806B-1D1B-4E46-8363-FFD9B4A6ECE6}"/>
-              </a:ext>
-            </a:extLst>
-          </p:cNvPr>
-          <p:cNvPicPr>
-            <a:picLocks noChangeAspect="1"/>
-          </p:cNvPicPr>
-          <p:nvPr/>
-        </p:nvPicPr>
-        <p:blipFill>
-          <a:blip r:embed="rId11"/>
-          <a:stretch>
-            <a:fillRect/>
-          </a:stretch>
-        </p:blipFill>
-        <p:spPr>
-          <a:xfrm>
-            <a:off x="1735337" y="7368606"/>
-            <a:ext cx="2167507" cy="1363432"/>
-          </a:xfrm>
-          <a:prstGeom prst="rect">
-            <a:avLst/>
-          </a:prstGeom>
+          <a:ln>
+            <a:solidFill>
+              <a:schemeClr val="tx1"/>
+            </a:solidFill>
+          </a:ln>
         </p:spPr>
       </p:pic>
     </p:spTree>
     <p:extLst>
       <p:ext uri="{BB962C8B-B14F-4D97-AF65-F5344CB8AC3E}">
-        <p14:creationId xmlns:p14="http://schemas.microsoft.com/office/powerpoint/2010/main" val="2248658430"/>
+        <p14:creationId xmlns:p14="http://schemas.microsoft.com/office/powerpoint/2010/main" val="3754948231"/>
       </p:ext>
     </p:extLst>
   </p:cSld>
   <p:clrMapOvr>
     <a:masterClrMapping/>
   </p:clrMapOvr>
+  <p:timing>
+    <p:tnLst>
+      <p:par>
+        <p:cTn id="1" dur="indefinite" restart="never" nodeType="tmRoot">
+          <p:childTnLst>
+            <p:seq concurrent="1" nextAc="seek">
+              <p:cTn id="2" dur="indefinite" nodeType="mainSeq">
+                <p:childTnLst>
+                  <p:par>
+                    <p:cTn id="3" fill="hold">
+                      <p:stCondLst>
+                        <p:cond delay="indefinite"/>
+                      </p:stCondLst>
+                      <p:childTnLst>
+                        <p:par>
+                          <p:cTn id="4" fill="hold">
+                            <p:stCondLst>
+                              <p:cond delay="0"/>
+                            </p:stCondLst>
+                            <p:childTnLst>
+                              <p:par>
+                                <p:cTn id="5" presetID="10" presetClass="entr" presetSubtype="0" fill="hold" grpId="0" nodeType="clickEffect">
+                                  <p:stCondLst>
+                                    <p:cond delay="0"/>
+                                  </p:stCondLst>
+                                  <p:childTnLst>
+                                    <p:set>
+                                      <p:cBhvr>
+                                        <p:cTn id="6" dur="1" fill="hold">
+                                          <p:stCondLst>
+                                            <p:cond delay="0"/>
+                                          </p:stCondLst>
+                                        </p:cTn>
+                                        <p:tgtEl>
+                                          <p:spTgt spid="7"/>
+                                        </p:tgtEl>
+                                        <p:attrNameLst>
+                                          <p:attrName>style.visibility</p:attrName>
+                                        </p:attrNameLst>
+                                      </p:cBhvr>
+                                      <p:to>
+                                        <p:strVal val="visible"/>
+                                      </p:to>
+                                    </p:set>
+                                    <p:animEffect transition="in" filter="fade">
+                                      <p:cBhvr>
+                                        <p:cTn id="7" dur="500"/>
+                                        <p:tgtEl>
+                                          <p:spTgt spid="7"/>
+                                        </p:tgtEl>
+                                      </p:cBhvr>
+                                    </p:animEffect>
+                                  </p:childTnLst>
+                                </p:cTn>
+                              </p:par>
+                              <p:par>
+                                <p:cTn id="8" presetID="10" presetClass="entr" presetSubtype="0" fill="hold" nodeType="withEffect">
+                                  <p:stCondLst>
+                                    <p:cond delay="0"/>
+                                  </p:stCondLst>
+                                  <p:childTnLst>
+                                    <p:set>
+                                      <p:cBhvr>
+                                        <p:cTn id="9" dur="1" fill="hold">
+                                          <p:stCondLst>
+                                            <p:cond delay="0"/>
+                                          </p:stCondLst>
+                                        </p:cTn>
+                                        <p:tgtEl>
+                                          <p:spTgt spid="10"/>
+                                        </p:tgtEl>
+                                        <p:attrNameLst>
+                                          <p:attrName>style.visibility</p:attrName>
+                                        </p:attrNameLst>
+                                      </p:cBhvr>
+                                      <p:to>
+                                        <p:strVal val="visible"/>
+                                      </p:to>
+                                    </p:set>
+                                    <p:animEffect transition="in" filter="fade">
+                                      <p:cBhvr>
+                                        <p:cTn id="10" dur="500"/>
+                                        <p:tgtEl>
+                                          <p:spTgt spid="10"/>
+                                        </p:tgtEl>
+                                      </p:cBhvr>
+                                    </p:animEffect>
+                                  </p:childTnLst>
+                                </p:cTn>
+                              </p:par>
+                              <p:par>
+                                <p:cTn id="11" presetID="10" presetClass="entr" presetSubtype="0" fill="hold" nodeType="withEffect">
+                                  <p:stCondLst>
+                                    <p:cond delay="0"/>
+                                  </p:stCondLst>
+                                  <p:childTnLst>
+                                    <p:set>
+                                      <p:cBhvr>
+                                        <p:cTn id="12" dur="1" fill="hold">
+                                          <p:stCondLst>
+                                            <p:cond delay="0"/>
+                                          </p:stCondLst>
+                                        </p:cTn>
+                                        <p:tgtEl>
+                                          <p:spTgt spid="11"/>
+                                        </p:tgtEl>
+                                        <p:attrNameLst>
+                                          <p:attrName>style.visibility</p:attrName>
+                                        </p:attrNameLst>
+                                      </p:cBhvr>
+                                      <p:to>
+                                        <p:strVal val="visible"/>
+                                      </p:to>
+                                    </p:set>
+                                    <p:animEffect transition="in" filter="fade">
+                                      <p:cBhvr>
+                                        <p:cTn id="13" dur="500"/>
+                                        <p:tgtEl>
+                                          <p:spTgt spid="11"/>
+                                        </p:tgtEl>
+                                      </p:cBhvr>
+                                    </p:animEffect>
+                                  </p:childTnLst>
+                                </p:cTn>
+                              </p:par>
+                            </p:childTnLst>
+                          </p:cTn>
+                        </p:par>
+                      </p:childTnLst>
+                    </p:cTn>
+                  </p:par>
+                </p:childTnLst>
+              </p:cTn>
+              <p:prevCondLst>
+                <p:cond evt="onPrev" delay="0">
+                  <p:tgtEl>
+                    <p:sldTgt/>
+                  </p:tgtEl>
+                </p:cond>
+              </p:prevCondLst>
+              <p:nextCondLst>
+                <p:cond evt="onNext" delay="0">
+                  <p:tgtEl>
+                    <p:sldTgt/>
+                  </p:tgtEl>
+                </p:cond>
+              </p:nextCondLst>
+            </p:seq>
+          </p:childTnLst>
+        </p:cTn>
+      </p:par>
+    </p:tnLst>
+    <p:bldLst>
+      <p:bldP spid="7" grpId="0"/>
+    </p:bldLst>
+  </p:timing>
 </p:sld>
 </file>
 
@@ -4911,58 +4946,52 @@
       </p:grpSpPr>
       <p:sp>
         <p:nvSpPr>
-          <p:cNvPr id="2" name="TextBox 2"/>
+          <p:cNvPr id="3" name="TextBox 3"/>
           <p:cNvSpPr txBox="1"/>
           <p:nvPr/>
         </p:nvSpPr>
         <p:spPr>
           <a:xfrm>
-            <a:off x="1541265" y="1108024"/>
-            <a:ext cx="15718035" cy="2272289"/>
+            <a:off x="15985595" y="1019175"/>
+            <a:ext cx="1273705" cy="390297"/>
           </a:xfrm>
           <a:prstGeom prst="rect">
             <a:avLst/>
           </a:prstGeom>
         </p:spPr>
         <p:txBody>
-          <a:bodyPr wrap="square" lIns="0" tIns="0" rIns="0" bIns="0" rtlCol="0" anchor="t">
+          <a:bodyPr lIns="0" tIns="0" rIns="0" bIns="0" rtlCol="0" anchor="t">
             <a:spAutoFit/>
           </a:bodyPr>
           <a:lstStyle/>
           <a:p>
-            <a:pPr>
+            <a:pPr algn="r">
               <a:lnSpc>
-                <a:spcPts val="9223"/>
+                <a:spcPts val="3000"/>
               </a:lnSpc>
             </a:pPr>
             <a:r>
-              <a:rPr lang="pt-BR" sz="5400" dirty="0">
+              <a:rPr lang="en-US" sz="2500" dirty="0">
                 <a:solidFill>
-                  <a:srgbClr val="753134"/>
+                  <a:srgbClr val="191824"/>
                 </a:solidFill>
-                <a:latin typeface="HK Grotesk Bold"/>
+                <a:latin typeface="HK Grotesk Medium"/>
               </a:rPr>
-              <a:t>Reator Batelada com reações químicas irreversíveis de 1ª ordem em série</a:t>
-            </a:r>
-            <a:endParaRPr lang="en-US" sz="5400" dirty="0">
-              <a:solidFill>
-                <a:srgbClr val="753134"/>
-              </a:solidFill>
-              <a:latin typeface="HK Grotesk Bold"/>
-            </a:endParaRPr>
-          </a:p>
-        </p:txBody>
-      </p:sp>
-      <p:sp>
-        <p:nvSpPr>
-          <p:cNvPr id="3" name="Freeform 3"/>
+              <a:t>02</a:t>
+            </a:r>
+          </a:p>
+        </p:txBody>
+      </p:sp>
+      <p:sp>
+        <p:nvSpPr>
+          <p:cNvPr id="4" name="Freeform 4"/>
           <p:cNvSpPr/>
           <p:nvPr/>
         </p:nvSpPr>
         <p:spPr>
-          <a:xfrm rot="4593668">
-            <a:off x="-821597" y="-1137424"/>
-            <a:ext cx="3428735" cy="2855202"/>
+          <a:xfrm rot="1895548">
+            <a:off x="-3553259" y="867376"/>
+            <a:ext cx="8123204" cy="6764414"/>
           </a:xfrm>
           <a:custGeom>
             <a:avLst/>
@@ -4971,18 +5000,18 @@
             <a:cxnLst/>
             <a:rect l="l" t="t" r="r" b="b"/>
             <a:pathLst>
-              <a:path w="3428735" h="2855202">
+              <a:path w="8123204" h="6764414">
                 <a:moveTo>
                   <a:pt x="0" y="0"/>
                 </a:moveTo>
                 <a:lnTo>
-                  <a:pt x="3428735" y="0"/>
-                </a:lnTo>
-                <a:lnTo>
-                  <a:pt x="3428735" y="2855202"/>
-                </a:lnTo>
-                <a:lnTo>
-                  <a:pt x="0" y="2855202"/>
+                  <a:pt x="8123204" y="0"/>
+                </a:lnTo>
+                <a:lnTo>
+                  <a:pt x="8123204" y="6764414"/>
+                </a:lnTo>
+                <a:lnTo>
+                  <a:pt x="0" y="6764414"/>
                 </a:lnTo>
                 <a:lnTo>
                   <a:pt x="0" y="0"/>
@@ -5014,14 +5043,14 @@
       </p:sp>
       <p:sp>
         <p:nvSpPr>
-          <p:cNvPr id="4" name="Freeform 4"/>
+          <p:cNvPr id="5" name="Freeform 5"/>
           <p:cNvSpPr/>
           <p:nvPr/>
         </p:nvSpPr>
         <p:spPr>
-          <a:xfrm rot="4472035">
-            <a:off x="-1406320" y="-1257006"/>
-            <a:ext cx="3294899" cy="2743752"/>
+          <a:xfrm rot="1773915">
+            <a:off x="-4277720" y="1004341"/>
+            <a:ext cx="7806124" cy="6500373"/>
           </a:xfrm>
           <a:custGeom>
             <a:avLst/>
@@ -5030,18 +5059,18 @@
             <a:cxnLst/>
             <a:rect l="l" t="t" r="r" b="b"/>
             <a:pathLst>
-              <a:path w="3294899" h="2743752">
+              <a:path w="7806124" h="6500373">
                 <a:moveTo>
                   <a:pt x="0" y="0"/>
                 </a:moveTo>
                 <a:lnTo>
-                  <a:pt x="3294899" y="0"/>
-                </a:lnTo>
-                <a:lnTo>
-                  <a:pt x="3294899" y="2743752"/>
-                </a:lnTo>
-                <a:lnTo>
-                  <a:pt x="0" y="2743752"/>
+                  <a:pt x="7806125" y="0"/>
+                </a:lnTo>
+                <a:lnTo>
+                  <a:pt x="7806125" y="6500372"/>
+                </a:lnTo>
+                <a:lnTo>
+                  <a:pt x="0" y="6500372"/>
                 </a:lnTo>
                 <a:lnTo>
                   <a:pt x="0" y="0"/>
@@ -5073,14 +5102,14 @@
       </p:sp>
       <p:sp>
         <p:nvSpPr>
-          <p:cNvPr id="5" name="Freeform 5"/>
+          <p:cNvPr id="6" name="Freeform 6"/>
           <p:cNvSpPr/>
           <p:nvPr/>
         </p:nvSpPr>
         <p:spPr>
-          <a:xfrm rot="-5535370">
-            <a:off x="-1225371" y="-1400725"/>
-            <a:ext cx="2450742" cy="2685076"/>
+          <a:xfrm rot="8269650">
+            <a:off x="-1434050" y="2759093"/>
+            <a:ext cx="4352627" cy="4768815"/>
           </a:xfrm>
           <a:custGeom>
             <a:avLst/>
@@ -5089,18 +5118,18 @@
             <a:cxnLst/>
             <a:rect l="l" t="t" r="r" b="b"/>
             <a:pathLst>
-              <a:path w="2450742" h="2685076">
+              <a:path w="4352627" h="4768815">
                 <a:moveTo>
                   <a:pt x="0" y="0"/>
                 </a:moveTo>
                 <a:lnTo>
-                  <a:pt x="2450742" y="0"/>
-                </a:lnTo>
-                <a:lnTo>
-                  <a:pt x="2450742" y="2685076"/>
-                </a:lnTo>
-                <a:lnTo>
-                  <a:pt x="0" y="2685076"/>
+                  <a:pt x="4352627" y="0"/>
+                </a:lnTo>
+                <a:lnTo>
+                  <a:pt x="4352627" y="4768814"/>
+                </a:lnTo>
+                <a:lnTo>
+                  <a:pt x="0" y="4768814"/>
                 </a:lnTo>
                 <a:lnTo>
                   <a:pt x="0" y="0"/>
@@ -5132,13 +5161,347 @@
       </p:sp>
       <p:sp>
         <p:nvSpPr>
+          <p:cNvPr id="7" name="TextBox 2">
+            <a:extLst>
+              <a:ext uri="{FF2B5EF4-FFF2-40B4-BE49-F238E27FC236}">
+                <a16:creationId xmlns:a16="http://schemas.microsoft.com/office/drawing/2014/main" id="{2091E330-82F7-428F-AAFB-533D865435BC}"/>
+              </a:ext>
+            </a:extLst>
+          </p:cNvPr>
+          <p:cNvSpPr txBox="1"/>
+          <p:nvPr/>
+        </p:nvSpPr>
+        <p:spPr>
+          <a:xfrm>
+            <a:off x="3114743" y="3444381"/>
+            <a:ext cx="9753600" cy="3398238"/>
+          </a:xfrm>
+          <a:prstGeom prst="rect">
+            <a:avLst/>
+          </a:prstGeom>
+        </p:spPr>
+        <p:txBody>
+          <a:bodyPr wrap="square" lIns="0" tIns="0" rIns="0" bIns="0" rtlCol="0" anchor="t">
+            <a:spAutoFit/>
+          </a:bodyPr>
+          <a:lstStyle/>
+          <a:p>
+            <a:pPr>
+              <a:lnSpc>
+                <a:spcPts val="9223"/>
+              </a:lnSpc>
+            </a:pPr>
+            <a:r>
+              <a:rPr lang="en-US" sz="4000" dirty="0">
+                <a:solidFill>
+                  <a:srgbClr val="000000"/>
+                </a:solidFill>
+                <a:latin typeface="HK Grotesk Bold"/>
+              </a:rPr>
+              <a:t>CURVA DE CALOR GERADO</a:t>
+            </a:r>
+          </a:p>
+          <a:p>
+            <a:pPr>
+              <a:lnSpc>
+                <a:spcPts val="9223"/>
+              </a:lnSpc>
+            </a:pPr>
+            <a:r>
+              <a:rPr lang="en-US" sz="4000" dirty="0">
+                <a:solidFill>
+                  <a:srgbClr val="753134"/>
+                </a:solidFill>
+                <a:effectLst>
+                  <a:outerShdw blurRad="38100" dist="38100" dir="2700000" algn="tl">
+                    <a:srgbClr val="000000">
+                      <a:alpha val="43137"/>
+                    </a:srgbClr>
+                  </a:outerShdw>
+                </a:effectLst>
+                <a:latin typeface="HK Grotesk Bold"/>
+              </a:rPr>
+              <a:t>CSTR – MODELO M6</a:t>
+            </a:r>
+          </a:p>
+          <a:p>
+            <a:pPr>
+              <a:lnSpc>
+                <a:spcPts val="9223"/>
+              </a:lnSpc>
+            </a:pPr>
+            <a:r>
+              <a:rPr lang="en-US" sz="4000" dirty="0">
+                <a:solidFill>
+                  <a:srgbClr val="000000"/>
+                </a:solidFill>
+                <a:latin typeface="HK Grotesk Bold"/>
+              </a:rPr>
+              <a:t>REATOR BATELADA – REAÇÃO EM SÉRIE</a:t>
+            </a:r>
+          </a:p>
+        </p:txBody>
+      </p:sp>
+    </p:spTree>
+    <p:extLst>
+      <p:ext uri="{BB962C8B-B14F-4D97-AF65-F5344CB8AC3E}">
+        <p14:creationId xmlns:p14="http://schemas.microsoft.com/office/powerpoint/2010/main" val="2623309188"/>
+      </p:ext>
+    </p:extLst>
+  </p:cSld>
+  <p:clrMapOvr>
+    <a:masterClrMapping/>
+  </p:clrMapOvr>
+</p:sld>
+</file>
+
+<file path=ppt/slides/slide5.xml><?xml version="1.0" encoding="utf-8"?>
+<p:sld xmlns:a="http://schemas.openxmlformats.org/drawingml/2006/main" xmlns:r="http://schemas.openxmlformats.org/officeDocument/2006/relationships" xmlns:p="http://schemas.openxmlformats.org/presentationml/2006/main">
+  <p:cSld>
+    <p:spTree>
+      <p:nvGrpSpPr>
+        <p:cNvPr id="1" name=""/>
+        <p:cNvGrpSpPr/>
+        <p:nvPr/>
+      </p:nvGrpSpPr>
+      <p:grpSpPr>
+        <a:xfrm>
+          <a:off x="0" y="0"/>
+          <a:ext cx="0" cy="0"/>
+          <a:chOff x="0" y="0"/>
+          <a:chExt cx="0" cy="0"/>
+        </a:xfrm>
+      </p:grpSpPr>
+      <p:sp>
+        <p:nvSpPr>
+          <p:cNvPr id="2" name="TextBox 2"/>
+          <p:cNvSpPr txBox="1"/>
+          <p:nvPr/>
+        </p:nvSpPr>
+        <p:spPr>
+          <a:xfrm>
+            <a:off x="1541265" y="1108024"/>
+            <a:ext cx="15718035" cy="1092479"/>
+          </a:xfrm>
+          <a:prstGeom prst="rect">
+            <a:avLst/>
+          </a:prstGeom>
+        </p:spPr>
+        <p:txBody>
+          <a:bodyPr wrap="square" lIns="0" tIns="0" rIns="0" bIns="0" rtlCol="0" anchor="t">
+            <a:spAutoFit/>
+          </a:bodyPr>
+          <a:lstStyle/>
+          <a:p>
+            <a:pPr>
+              <a:lnSpc>
+                <a:spcPts val="9223"/>
+              </a:lnSpc>
+            </a:pPr>
+            <a:r>
+              <a:rPr lang="pt-BR" sz="5400" dirty="0">
+                <a:solidFill>
+                  <a:srgbClr val="753134"/>
+                </a:solidFill>
+                <a:latin typeface="HK Grotesk Bold"/>
+              </a:rPr>
+              <a:t>CSTR – Modelo M6</a:t>
+            </a:r>
+            <a:endParaRPr lang="en-US" sz="5400" dirty="0">
+              <a:solidFill>
+                <a:srgbClr val="753134"/>
+              </a:solidFill>
+              <a:latin typeface="HK Grotesk Bold"/>
+            </a:endParaRPr>
+          </a:p>
+        </p:txBody>
+      </p:sp>
+      <p:sp>
+        <p:nvSpPr>
+          <p:cNvPr id="3" name="Freeform 3"/>
+          <p:cNvSpPr/>
+          <p:nvPr/>
+        </p:nvSpPr>
+        <p:spPr>
+          <a:xfrm rot="4593668">
+            <a:off x="-821597" y="-1137424"/>
+            <a:ext cx="3428735" cy="2855202"/>
+          </a:xfrm>
+          <a:custGeom>
+            <a:avLst/>
+            <a:gdLst/>
+            <a:ahLst/>
+            <a:cxnLst/>
+            <a:rect l="l" t="t" r="r" b="b"/>
+            <a:pathLst>
+              <a:path w="3428735" h="2855202">
+                <a:moveTo>
+                  <a:pt x="0" y="0"/>
+                </a:moveTo>
+                <a:lnTo>
+                  <a:pt x="3428735" y="0"/>
+                </a:lnTo>
+                <a:lnTo>
+                  <a:pt x="3428735" y="2855202"/>
+                </a:lnTo>
+                <a:lnTo>
+                  <a:pt x="0" y="2855202"/>
+                </a:lnTo>
+                <a:lnTo>
+                  <a:pt x="0" y="0"/>
+                </a:lnTo>
+                <a:close/>
+              </a:path>
+            </a:pathLst>
+          </a:custGeom>
+          <a:blipFill>
+            <a:blip r:embed="rId2">
+              <a:extLst>
+                <a:ext uri="{96DAC541-7B7A-43D3-8B79-37D633B846F1}">
+                  <asvg:svgBlip xmlns:asvg="http://schemas.microsoft.com/office/drawing/2016/SVG/main" r:embed="rId3"/>
+                </a:ext>
+              </a:extLst>
+            </a:blip>
+            <a:stretch>
+              <a:fillRect/>
+            </a:stretch>
+          </a:blipFill>
+        </p:spPr>
+        <p:txBody>
+          <a:bodyPr/>
+          <a:lstStyle/>
+          <a:p>
+            <a:endParaRPr lang="pt-BR"/>
+          </a:p>
+        </p:txBody>
+      </p:sp>
+      <p:sp>
+        <p:nvSpPr>
+          <p:cNvPr id="4" name="Freeform 4"/>
+          <p:cNvSpPr/>
+          <p:nvPr/>
+        </p:nvSpPr>
+        <p:spPr>
+          <a:xfrm rot="4472035">
+            <a:off x="-1406320" y="-1257006"/>
+            <a:ext cx="3294899" cy="2743752"/>
+          </a:xfrm>
+          <a:custGeom>
+            <a:avLst/>
+            <a:gdLst/>
+            <a:ahLst/>
+            <a:cxnLst/>
+            <a:rect l="l" t="t" r="r" b="b"/>
+            <a:pathLst>
+              <a:path w="3294899" h="2743752">
+                <a:moveTo>
+                  <a:pt x="0" y="0"/>
+                </a:moveTo>
+                <a:lnTo>
+                  <a:pt x="3294899" y="0"/>
+                </a:lnTo>
+                <a:lnTo>
+                  <a:pt x="3294899" y="2743752"/>
+                </a:lnTo>
+                <a:lnTo>
+                  <a:pt x="0" y="2743752"/>
+                </a:lnTo>
+                <a:lnTo>
+                  <a:pt x="0" y="0"/>
+                </a:lnTo>
+                <a:close/>
+              </a:path>
+            </a:pathLst>
+          </a:custGeom>
+          <a:blipFill>
+            <a:blip r:embed="rId4">
+              <a:extLst>
+                <a:ext uri="{96DAC541-7B7A-43D3-8B79-37D633B846F1}">
+                  <asvg:svgBlip xmlns:asvg="http://schemas.microsoft.com/office/drawing/2016/SVG/main" r:embed="rId5"/>
+                </a:ext>
+              </a:extLst>
+            </a:blip>
+            <a:stretch>
+              <a:fillRect/>
+            </a:stretch>
+          </a:blipFill>
+        </p:spPr>
+        <p:txBody>
+          <a:bodyPr/>
+          <a:lstStyle/>
+          <a:p>
+            <a:endParaRPr lang="pt-BR"/>
+          </a:p>
+        </p:txBody>
+      </p:sp>
+      <p:sp>
+        <p:nvSpPr>
+          <p:cNvPr id="5" name="Freeform 5"/>
+          <p:cNvSpPr/>
+          <p:nvPr/>
+        </p:nvSpPr>
+        <p:spPr>
+          <a:xfrm rot="-5535370">
+            <a:off x="-1225371" y="-1400725"/>
+            <a:ext cx="2450742" cy="2685076"/>
+          </a:xfrm>
+          <a:custGeom>
+            <a:avLst/>
+            <a:gdLst/>
+            <a:ahLst/>
+            <a:cxnLst/>
+            <a:rect l="l" t="t" r="r" b="b"/>
+            <a:pathLst>
+              <a:path w="2450742" h="2685076">
+                <a:moveTo>
+                  <a:pt x="0" y="0"/>
+                </a:moveTo>
+                <a:lnTo>
+                  <a:pt x="2450742" y="0"/>
+                </a:lnTo>
+                <a:lnTo>
+                  <a:pt x="2450742" y="2685076"/>
+                </a:lnTo>
+                <a:lnTo>
+                  <a:pt x="0" y="2685076"/>
+                </a:lnTo>
+                <a:lnTo>
+                  <a:pt x="0" y="0"/>
+                </a:lnTo>
+                <a:close/>
+              </a:path>
+            </a:pathLst>
+          </a:custGeom>
+          <a:blipFill>
+            <a:blip r:embed="rId6">
+              <a:extLst>
+                <a:ext uri="{96DAC541-7B7A-43D3-8B79-37D633B846F1}">
+                  <asvg:svgBlip xmlns:asvg="http://schemas.microsoft.com/office/drawing/2016/SVG/main" r:embed="rId7"/>
+                </a:ext>
+              </a:extLst>
+            </a:blip>
+            <a:stretch>
+              <a:fillRect/>
+            </a:stretch>
+          </a:blipFill>
+        </p:spPr>
+        <p:txBody>
+          <a:bodyPr/>
+          <a:lstStyle/>
+          <a:p>
+            <a:endParaRPr lang="pt-BR"/>
+          </a:p>
+        </p:txBody>
+      </p:sp>
+      <p:sp>
+        <p:nvSpPr>
           <p:cNvPr id="6" name="TextBox 6"/>
           <p:cNvSpPr txBox="1"/>
           <p:nvPr/>
         </p:nvSpPr>
         <p:spPr>
           <a:xfrm>
-            <a:off x="16023695" y="1019175"/>
+            <a:off x="15985595" y="1019175"/>
             <a:ext cx="1273705" cy="390297"/>
           </a:xfrm>
           <a:prstGeom prst="rect">
@@ -5163,59 +5526,17 @@
                 </a:solidFill>
                 <a:latin typeface="HK Grotesk Medium"/>
               </a:rPr>
-              <a:t>03</a:t>
-            </a:r>
-          </a:p>
-        </p:txBody>
-      </p:sp>
-      <p:sp>
-        <p:nvSpPr>
-          <p:cNvPr id="7" name="TextBox 6">
+              <a:t>02</a:t>
+            </a:r>
+          </a:p>
+        </p:txBody>
+      </p:sp>
+      <p:pic>
+        <p:nvPicPr>
+          <p:cNvPr id="11" name="Imagem 10">
             <a:extLst>
               <a:ext uri="{FF2B5EF4-FFF2-40B4-BE49-F238E27FC236}">
-                <a16:creationId xmlns:a16="http://schemas.microsoft.com/office/drawing/2014/main" id="{891D8E6C-80EB-4E81-B504-AAF2F9022403}"/>
-              </a:ext>
-            </a:extLst>
-          </p:cNvPr>
-          <p:cNvSpPr txBox="1"/>
-          <p:nvPr/>
-        </p:nvSpPr>
-        <p:spPr>
-          <a:xfrm>
-            <a:off x="11120045" y="4190300"/>
-            <a:ext cx="5877381" cy="1077218"/>
-          </a:xfrm>
-          <a:prstGeom prst="rect">
-            <a:avLst/>
-          </a:prstGeom>
-          <a:noFill/>
-        </p:spPr>
-        <p:txBody>
-          <a:bodyPr wrap="square" rtlCol="0">
-            <a:spAutoFit/>
-          </a:bodyPr>
-          <a:lstStyle/>
-          <a:p>
-            <a:r>
-              <a:rPr lang="pt-BR" sz="3200" dirty="0">
-                <a:latin typeface="Times New Roman" panose="02020603050405020304" pitchFamily="18" charset="0"/>
-                <a:cs typeface="Times New Roman" panose="02020603050405020304" pitchFamily="18" charset="0"/>
-              </a:rPr>
-              <a:t>Variando o vetor tempo entre 0 e 5 com 500 pontos no intervalo.</a:t>
-            </a:r>
-            <a:endParaRPr lang="en-US" sz="3200" dirty="0">
-              <a:latin typeface="Times New Roman" panose="02020603050405020304" pitchFamily="18" charset="0"/>
-              <a:cs typeface="Times New Roman" panose="02020603050405020304" pitchFamily="18" charset="0"/>
-            </a:endParaRPr>
-          </a:p>
-        </p:txBody>
-      </p:sp>
-      <p:pic>
-        <p:nvPicPr>
-          <p:cNvPr id="9" name="Imagem 8">
-            <a:extLst>
-              <a:ext uri="{FF2B5EF4-FFF2-40B4-BE49-F238E27FC236}">
-                <a16:creationId xmlns:a16="http://schemas.microsoft.com/office/drawing/2014/main" id="{D494DABB-16CE-4CBF-BF59-43B59A777313}"/>
+                <a16:creationId xmlns:a16="http://schemas.microsoft.com/office/drawing/2014/main" id="{D5CACD58-9AC7-4B9F-8424-A6B55F023086}"/>
               </a:ext>
             </a:extLst>
           </p:cNvPr>
@@ -5232,74 +5553,1231 @@
         </p:blipFill>
         <p:spPr>
           <a:xfrm>
-            <a:off x="1209218" y="5799210"/>
-            <a:ext cx="11161978" cy="3348595"/>
+            <a:off x="11887200" y="2469684"/>
+            <a:ext cx="5619194" cy="6709292"/>
           </a:xfrm>
           <a:prstGeom prst="rect">
             <a:avLst/>
           </a:prstGeom>
         </p:spPr>
       </p:pic>
-      <p:pic>
-        <p:nvPicPr>
-          <p:cNvPr id="16" name="Imagem 15">
+      <p:grpSp>
+        <p:nvGrpSpPr>
+          <p:cNvPr id="18" name="Agrupar 17">
             <a:extLst>
               <a:ext uri="{FF2B5EF4-FFF2-40B4-BE49-F238E27FC236}">
-                <a16:creationId xmlns:a16="http://schemas.microsoft.com/office/drawing/2014/main" id="{77D4F85C-49A3-4A0A-BA7E-A29712B1B261}"/>
+                <a16:creationId xmlns:a16="http://schemas.microsoft.com/office/drawing/2014/main" id="{E9621FBB-189E-4A94-9C72-D1A760B4EF89}"/>
               </a:ext>
             </a:extLst>
           </p:cNvPr>
-          <p:cNvPicPr>
-            <a:picLocks noChangeAspect="1"/>
-          </p:cNvPicPr>
+          <p:cNvGrpSpPr/>
           <p:nvPr/>
-        </p:nvPicPr>
-        <p:blipFill>
-          <a:blip r:embed="rId9"/>
-          <a:stretch>
-            <a:fillRect/>
-          </a:stretch>
-        </p:blipFill>
+        </p:nvGrpSpPr>
+        <p:grpSpPr>
+          <a:xfrm>
+            <a:off x="1389738" y="2974197"/>
+            <a:ext cx="9964062" cy="5790452"/>
+            <a:chOff x="1389738" y="2974197"/>
+            <a:chExt cx="9964062" cy="5790452"/>
+          </a:xfrm>
+        </p:grpSpPr>
+        <p:sp>
+          <p:nvSpPr>
+            <p:cNvPr id="7" name="TextBox 6">
+              <a:extLst>
+                <a:ext uri="{FF2B5EF4-FFF2-40B4-BE49-F238E27FC236}">
+                  <a16:creationId xmlns:a16="http://schemas.microsoft.com/office/drawing/2014/main" id="{891D8E6C-80EB-4E81-B504-AAF2F9022403}"/>
+                </a:ext>
+              </a:extLst>
+            </p:cNvPr>
+            <p:cNvSpPr txBox="1"/>
+            <p:nvPr/>
+          </p:nvSpPr>
+          <p:spPr>
+            <a:xfrm>
+              <a:off x="1389738" y="2974197"/>
+              <a:ext cx="9964062" cy="5016758"/>
+            </a:xfrm>
+            <a:prstGeom prst="rect">
+              <a:avLst/>
+            </a:prstGeom>
+            <a:noFill/>
+          </p:spPr>
+          <p:txBody>
+            <a:bodyPr wrap="square" rtlCol="0">
+              <a:spAutoFit/>
+            </a:bodyPr>
+            <a:lstStyle/>
+            <a:p>
+              <a:pPr algn="just"/>
+              <a:r>
+                <a:rPr lang="pt-BR" sz="3200" dirty="0">
+                  <a:cs typeface="Times New Roman" panose="02020603050405020304" pitchFamily="18" charset="0"/>
+                </a:rPr>
+                <a:t>Resolva o sistema de </a:t>
+              </a:r>
+              <a:r>
+                <a:rPr lang="pt-BR" sz="3200" dirty="0" err="1">
+                  <a:cs typeface="Times New Roman" panose="02020603050405020304" pitchFamily="18" charset="0"/>
+                </a:rPr>
+                <a:t>EDOs</a:t>
+              </a:r>
+              <a:r>
+                <a:rPr lang="pt-BR" sz="3200" dirty="0">
+                  <a:cs typeface="Times New Roman" panose="02020603050405020304" pitchFamily="18" charset="0"/>
+                </a:rPr>
+                <a:t> para o modelo M6 de um reator CSTR, variando o vetor tempo entre 0 e 1 com 100 pontos no intervalo.</a:t>
+              </a:r>
+            </a:p>
+            <a:p>
+              <a:pPr algn="just"/>
+              <a:endParaRPr lang="pt-BR" sz="3200" dirty="0">
+                <a:cs typeface="Times New Roman" panose="02020603050405020304" pitchFamily="18" charset="0"/>
+              </a:endParaRPr>
+            </a:p>
+            <a:p>
+              <a:pPr algn="just"/>
+              <a:endParaRPr lang="pt-BR" sz="3200" dirty="0">
+                <a:cs typeface="Times New Roman" panose="02020603050405020304" pitchFamily="18" charset="0"/>
+              </a:endParaRPr>
+            </a:p>
+            <a:p>
+              <a:pPr algn="just"/>
+              <a:endParaRPr lang="pt-BR" sz="3200" dirty="0">
+                <a:cs typeface="Times New Roman" panose="02020603050405020304" pitchFamily="18" charset="0"/>
+              </a:endParaRPr>
+            </a:p>
+            <a:p>
+              <a:pPr algn="just"/>
+              <a:endParaRPr lang="pt-BR" sz="3200" dirty="0">
+                <a:cs typeface="Times New Roman" panose="02020603050405020304" pitchFamily="18" charset="0"/>
+              </a:endParaRPr>
+            </a:p>
+            <a:p>
+              <a:pPr algn="just"/>
+              <a:endParaRPr lang="pt-BR" sz="3200" dirty="0">
+                <a:cs typeface="Times New Roman" panose="02020603050405020304" pitchFamily="18" charset="0"/>
+              </a:endParaRPr>
+            </a:p>
+            <a:p>
+              <a:pPr algn="just"/>
+              <a:endParaRPr lang="pt-BR" sz="3200" dirty="0">
+                <a:cs typeface="Times New Roman" panose="02020603050405020304" pitchFamily="18" charset="0"/>
+              </a:endParaRPr>
+            </a:p>
+            <a:p>
+              <a:pPr algn="just"/>
+              <a:r>
+                <a:rPr lang="en-US" sz="3200" dirty="0">
+                  <a:cs typeface="Times New Roman" panose="02020603050405020304" pitchFamily="18" charset="0"/>
+                </a:rPr>
+                <a:t>Utilize a equação de Arrhenius para </a:t>
+              </a:r>
+              <a:r>
+                <a:rPr lang="en-US" sz="3200" dirty="0" err="1">
+                  <a:cs typeface="Times New Roman" panose="02020603050405020304" pitchFamily="18" charset="0"/>
+                </a:rPr>
+                <a:t>obter</a:t>
+              </a:r>
+              <a:r>
+                <a:rPr lang="en-US" sz="3200" dirty="0">
+                  <a:cs typeface="Times New Roman" panose="02020603050405020304" pitchFamily="18" charset="0"/>
+                </a:rPr>
+                <a:t> o valor de k(T).</a:t>
+              </a:r>
+            </a:p>
+          </p:txBody>
+        </p:sp>
+        <p:pic>
+          <p:nvPicPr>
+            <p:cNvPr id="14" name="Imagem 13">
+              <a:extLst>
+                <a:ext uri="{FF2B5EF4-FFF2-40B4-BE49-F238E27FC236}">
+                  <a16:creationId xmlns:a16="http://schemas.microsoft.com/office/drawing/2014/main" id="{63007CFC-582A-4EB6-910B-7184F63AFB4E}"/>
+                </a:ext>
+              </a:extLst>
+            </p:cNvPr>
+            <p:cNvPicPr>
+              <a:picLocks noChangeAspect="1"/>
+            </p:cNvPicPr>
+            <p:nvPr/>
+          </p:nvPicPr>
+          <p:blipFill>
+            <a:blip r:embed="rId9"/>
+            <a:stretch>
+              <a:fillRect/>
+            </a:stretch>
+          </p:blipFill>
+          <p:spPr>
+            <a:xfrm>
+              <a:off x="5274619" y="8150245"/>
+              <a:ext cx="2194300" cy="614404"/>
+            </a:xfrm>
+            <a:prstGeom prst="rect">
+              <a:avLst/>
+            </a:prstGeom>
+            <a:ln>
+              <a:solidFill>
+                <a:schemeClr val="bg1"/>
+              </a:solidFill>
+            </a:ln>
+          </p:spPr>
+        </p:pic>
+        <p:pic>
+          <p:nvPicPr>
+            <p:cNvPr id="16" name="Imagem 15">
+              <a:extLst>
+                <a:ext uri="{FF2B5EF4-FFF2-40B4-BE49-F238E27FC236}">
+                  <a16:creationId xmlns:a16="http://schemas.microsoft.com/office/drawing/2014/main" id="{29A01623-C0DA-4210-BDFF-3557E15C2EE4}"/>
+                </a:ext>
+              </a:extLst>
+            </p:cNvPr>
+            <p:cNvPicPr>
+              <a:picLocks noChangeAspect="1"/>
+            </p:cNvPicPr>
+            <p:nvPr/>
+          </p:nvPicPr>
+          <p:blipFill>
+            <a:blip r:embed="rId10"/>
+            <a:stretch>
+              <a:fillRect/>
+            </a:stretch>
+          </p:blipFill>
+          <p:spPr>
+            <a:xfrm>
+              <a:off x="3067691" y="4714892"/>
+              <a:ext cx="6608156" cy="2181208"/>
+            </a:xfrm>
+            <a:prstGeom prst="rect">
+              <a:avLst/>
+            </a:prstGeom>
+          </p:spPr>
+        </p:pic>
+      </p:grpSp>
+    </p:spTree>
+    <p:extLst>
+      <p:ext uri="{BB962C8B-B14F-4D97-AF65-F5344CB8AC3E}">
+        <p14:creationId xmlns:p14="http://schemas.microsoft.com/office/powerpoint/2010/main" val="2248658430"/>
+      </p:ext>
+    </p:extLst>
+  </p:cSld>
+  <p:clrMapOvr>
+    <a:masterClrMapping/>
+  </p:clrMapOvr>
+  <p:timing>
+    <p:tnLst>
+      <p:par>
+        <p:cTn id="1" dur="indefinite" restart="never" nodeType="tmRoot">
+          <p:childTnLst>
+            <p:seq concurrent="1" nextAc="seek">
+              <p:cTn id="2" dur="indefinite" nodeType="mainSeq">
+                <p:childTnLst>
+                  <p:par>
+                    <p:cTn id="3" fill="hold">
+                      <p:stCondLst>
+                        <p:cond delay="indefinite"/>
+                      </p:stCondLst>
+                      <p:childTnLst>
+                        <p:par>
+                          <p:cTn id="4" fill="hold">
+                            <p:stCondLst>
+                              <p:cond delay="0"/>
+                            </p:stCondLst>
+                            <p:childTnLst>
+                              <p:par>
+                                <p:cTn id="5" presetID="10" presetClass="entr" presetSubtype="0" fill="hold" nodeType="clickEffect">
+                                  <p:stCondLst>
+                                    <p:cond delay="0"/>
+                                  </p:stCondLst>
+                                  <p:childTnLst>
+                                    <p:set>
+                                      <p:cBhvr>
+                                        <p:cTn id="6" dur="1" fill="hold">
+                                          <p:stCondLst>
+                                            <p:cond delay="0"/>
+                                          </p:stCondLst>
+                                        </p:cTn>
+                                        <p:tgtEl>
+                                          <p:spTgt spid="11"/>
+                                        </p:tgtEl>
+                                        <p:attrNameLst>
+                                          <p:attrName>style.visibility</p:attrName>
+                                        </p:attrNameLst>
+                                      </p:cBhvr>
+                                      <p:to>
+                                        <p:strVal val="visible"/>
+                                      </p:to>
+                                    </p:set>
+                                    <p:animEffect transition="in" filter="fade">
+                                      <p:cBhvr>
+                                        <p:cTn id="7" dur="500"/>
+                                        <p:tgtEl>
+                                          <p:spTgt spid="11"/>
+                                        </p:tgtEl>
+                                      </p:cBhvr>
+                                    </p:animEffect>
+                                  </p:childTnLst>
+                                </p:cTn>
+                              </p:par>
+                              <p:par>
+                                <p:cTn id="8" presetID="10" presetClass="entr" presetSubtype="0" fill="hold" nodeType="withEffect">
+                                  <p:stCondLst>
+                                    <p:cond delay="0"/>
+                                  </p:stCondLst>
+                                  <p:childTnLst>
+                                    <p:set>
+                                      <p:cBhvr>
+                                        <p:cTn id="9" dur="1" fill="hold">
+                                          <p:stCondLst>
+                                            <p:cond delay="0"/>
+                                          </p:stCondLst>
+                                        </p:cTn>
+                                        <p:tgtEl>
+                                          <p:spTgt spid="18"/>
+                                        </p:tgtEl>
+                                        <p:attrNameLst>
+                                          <p:attrName>style.visibility</p:attrName>
+                                        </p:attrNameLst>
+                                      </p:cBhvr>
+                                      <p:to>
+                                        <p:strVal val="visible"/>
+                                      </p:to>
+                                    </p:set>
+                                    <p:animEffect transition="in" filter="fade">
+                                      <p:cBhvr>
+                                        <p:cTn id="10" dur="500"/>
+                                        <p:tgtEl>
+                                          <p:spTgt spid="18"/>
+                                        </p:tgtEl>
+                                      </p:cBhvr>
+                                    </p:animEffect>
+                                  </p:childTnLst>
+                                </p:cTn>
+                              </p:par>
+                            </p:childTnLst>
+                          </p:cTn>
+                        </p:par>
+                      </p:childTnLst>
+                    </p:cTn>
+                  </p:par>
+                </p:childTnLst>
+              </p:cTn>
+              <p:prevCondLst>
+                <p:cond evt="onPrev" delay="0">
+                  <p:tgtEl>
+                    <p:sldTgt/>
+                  </p:tgtEl>
+                </p:cond>
+              </p:prevCondLst>
+              <p:nextCondLst>
+                <p:cond evt="onNext" delay="0">
+                  <p:tgtEl>
+                    <p:sldTgt/>
+                  </p:tgtEl>
+                </p:cond>
+              </p:nextCondLst>
+            </p:seq>
+          </p:childTnLst>
+        </p:cTn>
+      </p:par>
+    </p:tnLst>
+  </p:timing>
+</p:sld>
+</file>
+
+<file path=ppt/slides/slide6.xml><?xml version="1.0" encoding="utf-8"?>
+<p:sld xmlns:a="http://schemas.openxmlformats.org/drawingml/2006/main" xmlns:r="http://schemas.openxmlformats.org/officeDocument/2006/relationships" xmlns:p="http://schemas.openxmlformats.org/presentationml/2006/main">
+  <p:cSld>
+    <p:spTree>
+      <p:nvGrpSpPr>
+        <p:cNvPr id="1" name=""/>
+        <p:cNvGrpSpPr/>
+        <p:nvPr/>
+      </p:nvGrpSpPr>
+      <p:grpSpPr>
+        <a:xfrm>
+          <a:off x="0" y="0"/>
+          <a:ext cx="0" cy="0"/>
+          <a:chOff x="0" y="0"/>
+          <a:chExt cx="0" cy="0"/>
+        </a:xfrm>
+      </p:grpSpPr>
+      <p:sp>
+        <p:nvSpPr>
+          <p:cNvPr id="3" name="TextBox 3"/>
+          <p:cNvSpPr txBox="1"/>
+          <p:nvPr/>
+        </p:nvSpPr>
         <p:spPr>
           <a:xfrm>
-            <a:off x="14058736" y="6346338"/>
-            <a:ext cx="1947922" cy="2254338"/>
+            <a:off x="15985595" y="1019175"/>
+            <a:ext cx="1273705" cy="390297"/>
           </a:xfrm>
           <a:prstGeom prst="rect">
             <a:avLst/>
           </a:prstGeom>
         </p:spPr>
-      </p:pic>
-      <p:pic>
-        <p:nvPicPr>
-          <p:cNvPr id="20" name="Imagem 19">
+        <p:txBody>
+          <a:bodyPr lIns="0" tIns="0" rIns="0" bIns="0" rtlCol="0" anchor="t">
+            <a:spAutoFit/>
+          </a:bodyPr>
+          <a:lstStyle/>
+          <a:p>
+            <a:pPr algn="r">
+              <a:lnSpc>
+                <a:spcPts val="3000"/>
+              </a:lnSpc>
+            </a:pPr>
+            <a:r>
+              <a:rPr lang="en-US" sz="2500" dirty="0">
+                <a:solidFill>
+                  <a:srgbClr val="191824"/>
+                </a:solidFill>
+                <a:latin typeface="HK Grotesk Medium"/>
+              </a:rPr>
+              <a:t>02</a:t>
+            </a:r>
+          </a:p>
+        </p:txBody>
+      </p:sp>
+      <p:sp>
+        <p:nvSpPr>
+          <p:cNvPr id="4" name="Freeform 4"/>
+          <p:cNvSpPr/>
+          <p:nvPr/>
+        </p:nvSpPr>
+        <p:spPr>
+          <a:xfrm rot="1895548">
+            <a:off x="-3553259" y="867376"/>
+            <a:ext cx="8123204" cy="6764414"/>
+          </a:xfrm>
+          <a:custGeom>
+            <a:avLst/>
+            <a:gdLst/>
+            <a:ahLst/>
+            <a:cxnLst/>
+            <a:rect l="l" t="t" r="r" b="b"/>
+            <a:pathLst>
+              <a:path w="8123204" h="6764414">
+                <a:moveTo>
+                  <a:pt x="0" y="0"/>
+                </a:moveTo>
+                <a:lnTo>
+                  <a:pt x="8123204" y="0"/>
+                </a:lnTo>
+                <a:lnTo>
+                  <a:pt x="8123204" y="6764414"/>
+                </a:lnTo>
+                <a:lnTo>
+                  <a:pt x="0" y="6764414"/>
+                </a:lnTo>
+                <a:lnTo>
+                  <a:pt x="0" y="0"/>
+                </a:lnTo>
+                <a:close/>
+              </a:path>
+            </a:pathLst>
+          </a:custGeom>
+          <a:blipFill>
+            <a:blip r:embed="rId2">
+              <a:extLst>
+                <a:ext uri="{96DAC541-7B7A-43D3-8B79-37D633B846F1}">
+                  <asvg:svgBlip xmlns:asvg="http://schemas.microsoft.com/office/drawing/2016/SVG/main" r:embed="rId3"/>
+                </a:ext>
+              </a:extLst>
+            </a:blip>
+            <a:stretch>
+              <a:fillRect/>
+            </a:stretch>
+          </a:blipFill>
+        </p:spPr>
+        <p:txBody>
+          <a:bodyPr/>
+          <a:lstStyle/>
+          <a:p>
+            <a:endParaRPr lang="pt-BR"/>
+          </a:p>
+        </p:txBody>
+      </p:sp>
+      <p:sp>
+        <p:nvSpPr>
+          <p:cNvPr id="5" name="Freeform 5"/>
+          <p:cNvSpPr/>
+          <p:nvPr/>
+        </p:nvSpPr>
+        <p:spPr>
+          <a:xfrm rot="1773915">
+            <a:off x="-4277720" y="1004341"/>
+            <a:ext cx="7806124" cy="6500373"/>
+          </a:xfrm>
+          <a:custGeom>
+            <a:avLst/>
+            <a:gdLst/>
+            <a:ahLst/>
+            <a:cxnLst/>
+            <a:rect l="l" t="t" r="r" b="b"/>
+            <a:pathLst>
+              <a:path w="7806124" h="6500373">
+                <a:moveTo>
+                  <a:pt x="0" y="0"/>
+                </a:moveTo>
+                <a:lnTo>
+                  <a:pt x="7806125" y="0"/>
+                </a:lnTo>
+                <a:lnTo>
+                  <a:pt x="7806125" y="6500372"/>
+                </a:lnTo>
+                <a:lnTo>
+                  <a:pt x="0" y="6500372"/>
+                </a:lnTo>
+                <a:lnTo>
+                  <a:pt x="0" y="0"/>
+                </a:lnTo>
+                <a:close/>
+              </a:path>
+            </a:pathLst>
+          </a:custGeom>
+          <a:blipFill>
+            <a:blip r:embed="rId4">
+              <a:extLst>
+                <a:ext uri="{96DAC541-7B7A-43D3-8B79-37D633B846F1}">
+                  <asvg:svgBlip xmlns:asvg="http://schemas.microsoft.com/office/drawing/2016/SVG/main" r:embed="rId5"/>
+                </a:ext>
+              </a:extLst>
+            </a:blip>
+            <a:stretch>
+              <a:fillRect/>
+            </a:stretch>
+          </a:blipFill>
+        </p:spPr>
+        <p:txBody>
+          <a:bodyPr/>
+          <a:lstStyle/>
+          <a:p>
+            <a:endParaRPr lang="pt-BR"/>
+          </a:p>
+        </p:txBody>
+      </p:sp>
+      <p:sp>
+        <p:nvSpPr>
+          <p:cNvPr id="6" name="Freeform 6"/>
+          <p:cNvSpPr/>
+          <p:nvPr/>
+        </p:nvSpPr>
+        <p:spPr>
+          <a:xfrm rot="8269650">
+            <a:off x="-1434050" y="2759093"/>
+            <a:ext cx="4352627" cy="4768815"/>
+          </a:xfrm>
+          <a:custGeom>
+            <a:avLst/>
+            <a:gdLst/>
+            <a:ahLst/>
+            <a:cxnLst/>
+            <a:rect l="l" t="t" r="r" b="b"/>
+            <a:pathLst>
+              <a:path w="4352627" h="4768815">
+                <a:moveTo>
+                  <a:pt x="0" y="0"/>
+                </a:moveTo>
+                <a:lnTo>
+                  <a:pt x="4352627" y="0"/>
+                </a:lnTo>
+                <a:lnTo>
+                  <a:pt x="4352627" y="4768814"/>
+                </a:lnTo>
+                <a:lnTo>
+                  <a:pt x="0" y="4768814"/>
+                </a:lnTo>
+                <a:lnTo>
+                  <a:pt x="0" y="0"/>
+                </a:lnTo>
+                <a:close/>
+              </a:path>
+            </a:pathLst>
+          </a:custGeom>
+          <a:blipFill>
+            <a:blip r:embed="rId6">
+              <a:extLst>
+                <a:ext uri="{96DAC541-7B7A-43D3-8B79-37D633B846F1}">
+                  <asvg:svgBlip xmlns:asvg="http://schemas.microsoft.com/office/drawing/2016/SVG/main" r:embed="rId7"/>
+                </a:ext>
+              </a:extLst>
+            </a:blip>
+            <a:stretch>
+              <a:fillRect/>
+            </a:stretch>
+          </a:blipFill>
+        </p:spPr>
+        <p:txBody>
+          <a:bodyPr/>
+          <a:lstStyle/>
+          <a:p>
+            <a:endParaRPr lang="pt-BR"/>
+          </a:p>
+        </p:txBody>
+      </p:sp>
+      <p:sp>
+        <p:nvSpPr>
+          <p:cNvPr id="7" name="TextBox 2">
             <a:extLst>
               <a:ext uri="{FF2B5EF4-FFF2-40B4-BE49-F238E27FC236}">
-                <a16:creationId xmlns:a16="http://schemas.microsoft.com/office/drawing/2014/main" id="{D07B5437-DB77-4773-9BE6-22C1679465E8}"/>
+                <a16:creationId xmlns:a16="http://schemas.microsoft.com/office/drawing/2014/main" id="{2091E330-82F7-428F-AAFB-533D865435BC}"/>
               </a:ext>
             </a:extLst>
           </p:cNvPr>
-          <p:cNvPicPr>
-            <a:picLocks noChangeAspect="1"/>
-          </p:cNvPicPr>
+          <p:cNvSpPr txBox="1"/>
           <p:nvPr/>
-        </p:nvPicPr>
-        <p:blipFill>
-          <a:blip r:embed="rId10"/>
-          <a:stretch>
-            <a:fillRect/>
-          </a:stretch>
-        </p:blipFill>
+        </p:nvSpPr>
         <p:spPr>
           <a:xfrm>
-            <a:off x="1389737" y="4190300"/>
-            <a:ext cx="8356596" cy="1077218"/>
+            <a:off x="3114743" y="3444381"/>
+            <a:ext cx="9753600" cy="3398238"/>
           </a:xfrm>
           <a:prstGeom prst="rect">
             <a:avLst/>
           </a:prstGeom>
         </p:spPr>
-      </p:pic>
+        <p:txBody>
+          <a:bodyPr wrap="square" lIns="0" tIns="0" rIns="0" bIns="0" rtlCol="0" anchor="t">
+            <a:spAutoFit/>
+          </a:bodyPr>
+          <a:lstStyle/>
+          <a:p>
+            <a:pPr>
+              <a:lnSpc>
+                <a:spcPts val="9223"/>
+              </a:lnSpc>
+            </a:pPr>
+            <a:r>
+              <a:rPr lang="en-US" sz="4000" dirty="0">
+                <a:solidFill>
+                  <a:srgbClr val="000000"/>
+                </a:solidFill>
+                <a:latin typeface="HK Grotesk Bold"/>
+              </a:rPr>
+              <a:t>CURVA DE CALOR GERADO</a:t>
+            </a:r>
+          </a:p>
+          <a:p>
+            <a:pPr>
+              <a:lnSpc>
+                <a:spcPts val="9223"/>
+              </a:lnSpc>
+            </a:pPr>
+            <a:r>
+              <a:rPr lang="en-US" sz="4000" dirty="0">
+                <a:solidFill>
+                  <a:srgbClr val="000000"/>
+                </a:solidFill>
+                <a:latin typeface="HK Grotesk Bold"/>
+              </a:rPr>
+              <a:t>CSTR – MODELO M6</a:t>
+            </a:r>
+          </a:p>
+          <a:p>
+            <a:pPr>
+              <a:lnSpc>
+                <a:spcPts val="9223"/>
+              </a:lnSpc>
+            </a:pPr>
+            <a:r>
+              <a:rPr lang="en-US" sz="4000" dirty="0">
+                <a:solidFill>
+                  <a:srgbClr val="753134"/>
+                </a:solidFill>
+                <a:effectLst>
+                  <a:outerShdw blurRad="38100" dist="38100" dir="2700000" algn="tl">
+                    <a:srgbClr val="000000">
+                      <a:alpha val="43137"/>
+                    </a:srgbClr>
+                  </a:outerShdw>
+                </a:effectLst>
+                <a:latin typeface="HK Grotesk Bold"/>
+              </a:rPr>
+              <a:t>REATOR BATELADA – REAÇÃO EM SÉRIE</a:t>
+            </a:r>
+          </a:p>
+        </p:txBody>
+      </p:sp>
+    </p:spTree>
+    <p:extLst>
+      <p:ext uri="{BB962C8B-B14F-4D97-AF65-F5344CB8AC3E}">
+        <p14:creationId xmlns:p14="http://schemas.microsoft.com/office/powerpoint/2010/main" val="241351831"/>
+      </p:ext>
+    </p:extLst>
+  </p:cSld>
+  <p:clrMapOvr>
+    <a:masterClrMapping/>
+  </p:clrMapOvr>
+</p:sld>
+</file>
+
+<file path=ppt/slides/slide7.xml><?xml version="1.0" encoding="utf-8"?>
+<p:sld xmlns:a="http://schemas.openxmlformats.org/drawingml/2006/main" xmlns:r="http://schemas.openxmlformats.org/officeDocument/2006/relationships" xmlns:p="http://schemas.openxmlformats.org/presentationml/2006/main">
+  <p:cSld>
+    <p:spTree>
+      <p:nvGrpSpPr>
+        <p:cNvPr id="1" name=""/>
+        <p:cNvGrpSpPr/>
+        <p:nvPr/>
+      </p:nvGrpSpPr>
+      <p:grpSpPr>
+        <a:xfrm>
+          <a:off x="0" y="0"/>
+          <a:ext cx="0" cy="0"/>
+          <a:chOff x="0" y="0"/>
+          <a:chExt cx="0" cy="0"/>
+        </a:xfrm>
+      </p:grpSpPr>
+      <p:sp>
+        <p:nvSpPr>
+          <p:cNvPr id="2" name="TextBox 2"/>
+          <p:cNvSpPr txBox="1"/>
+          <p:nvPr/>
+        </p:nvSpPr>
+        <p:spPr>
+          <a:xfrm>
+            <a:off x="1541265" y="1108024"/>
+            <a:ext cx="15718035" cy="2272289"/>
+          </a:xfrm>
+          <a:prstGeom prst="rect">
+            <a:avLst/>
+          </a:prstGeom>
+        </p:spPr>
+        <p:txBody>
+          <a:bodyPr wrap="square" lIns="0" tIns="0" rIns="0" bIns="0" rtlCol="0" anchor="t">
+            <a:spAutoFit/>
+          </a:bodyPr>
+          <a:lstStyle/>
+          <a:p>
+            <a:pPr>
+              <a:lnSpc>
+                <a:spcPts val="9223"/>
+              </a:lnSpc>
+            </a:pPr>
+            <a:r>
+              <a:rPr lang="pt-BR" sz="5400" dirty="0">
+                <a:solidFill>
+                  <a:srgbClr val="753134"/>
+                </a:solidFill>
+                <a:latin typeface="HK Grotesk Bold"/>
+              </a:rPr>
+              <a:t>Reator Batelada com reações químicas irreversíveis de 1ª ordem em série</a:t>
+            </a:r>
+            <a:endParaRPr lang="en-US" sz="5400" dirty="0">
+              <a:solidFill>
+                <a:srgbClr val="753134"/>
+              </a:solidFill>
+              <a:latin typeface="HK Grotesk Bold"/>
+            </a:endParaRPr>
+          </a:p>
+        </p:txBody>
+      </p:sp>
+      <p:sp>
+        <p:nvSpPr>
+          <p:cNvPr id="3" name="Freeform 3"/>
+          <p:cNvSpPr/>
+          <p:nvPr/>
+        </p:nvSpPr>
+        <p:spPr>
+          <a:xfrm rot="4593668">
+            <a:off x="-821597" y="-1137424"/>
+            <a:ext cx="3428735" cy="2855202"/>
+          </a:xfrm>
+          <a:custGeom>
+            <a:avLst/>
+            <a:gdLst/>
+            <a:ahLst/>
+            <a:cxnLst/>
+            <a:rect l="l" t="t" r="r" b="b"/>
+            <a:pathLst>
+              <a:path w="3428735" h="2855202">
+                <a:moveTo>
+                  <a:pt x="0" y="0"/>
+                </a:moveTo>
+                <a:lnTo>
+                  <a:pt x="3428735" y="0"/>
+                </a:lnTo>
+                <a:lnTo>
+                  <a:pt x="3428735" y="2855202"/>
+                </a:lnTo>
+                <a:lnTo>
+                  <a:pt x="0" y="2855202"/>
+                </a:lnTo>
+                <a:lnTo>
+                  <a:pt x="0" y="0"/>
+                </a:lnTo>
+                <a:close/>
+              </a:path>
+            </a:pathLst>
+          </a:custGeom>
+          <a:blipFill>
+            <a:blip r:embed="rId2">
+              <a:extLst>
+                <a:ext uri="{96DAC541-7B7A-43D3-8B79-37D633B846F1}">
+                  <asvg:svgBlip xmlns:asvg="http://schemas.microsoft.com/office/drawing/2016/SVG/main" r:embed="rId3"/>
+                </a:ext>
+              </a:extLst>
+            </a:blip>
+            <a:stretch>
+              <a:fillRect/>
+            </a:stretch>
+          </a:blipFill>
+        </p:spPr>
+        <p:txBody>
+          <a:bodyPr/>
+          <a:lstStyle/>
+          <a:p>
+            <a:endParaRPr lang="pt-BR"/>
+          </a:p>
+        </p:txBody>
+      </p:sp>
+      <p:sp>
+        <p:nvSpPr>
+          <p:cNvPr id="4" name="Freeform 4"/>
+          <p:cNvSpPr/>
+          <p:nvPr/>
+        </p:nvSpPr>
+        <p:spPr>
+          <a:xfrm rot="4472035">
+            <a:off x="-1406320" y="-1257006"/>
+            <a:ext cx="3294899" cy="2743752"/>
+          </a:xfrm>
+          <a:custGeom>
+            <a:avLst/>
+            <a:gdLst/>
+            <a:ahLst/>
+            <a:cxnLst/>
+            <a:rect l="l" t="t" r="r" b="b"/>
+            <a:pathLst>
+              <a:path w="3294899" h="2743752">
+                <a:moveTo>
+                  <a:pt x="0" y="0"/>
+                </a:moveTo>
+                <a:lnTo>
+                  <a:pt x="3294899" y="0"/>
+                </a:lnTo>
+                <a:lnTo>
+                  <a:pt x="3294899" y="2743752"/>
+                </a:lnTo>
+                <a:lnTo>
+                  <a:pt x="0" y="2743752"/>
+                </a:lnTo>
+                <a:lnTo>
+                  <a:pt x="0" y="0"/>
+                </a:lnTo>
+                <a:close/>
+              </a:path>
+            </a:pathLst>
+          </a:custGeom>
+          <a:blipFill>
+            <a:blip r:embed="rId4">
+              <a:extLst>
+                <a:ext uri="{96DAC541-7B7A-43D3-8B79-37D633B846F1}">
+                  <asvg:svgBlip xmlns:asvg="http://schemas.microsoft.com/office/drawing/2016/SVG/main" r:embed="rId5"/>
+                </a:ext>
+              </a:extLst>
+            </a:blip>
+            <a:stretch>
+              <a:fillRect/>
+            </a:stretch>
+          </a:blipFill>
+        </p:spPr>
+        <p:txBody>
+          <a:bodyPr/>
+          <a:lstStyle/>
+          <a:p>
+            <a:endParaRPr lang="pt-BR"/>
+          </a:p>
+        </p:txBody>
+      </p:sp>
+      <p:sp>
+        <p:nvSpPr>
+          <p:cNvPr id="5" name="Freeform 5"/>
+          <p:cNvSpPr/>
+          <p:nvPr/>
+        </p:nvSpPr>
+        <p:spPr>
+          <a:xfrm rot="-5535370">
+            <a:off x="-1225371" y="-1400725"/>
+            <a:ext cx="2450742" cy="2685076"/>
+          </a:xfrm>
+          <a:custGeom>
+            <a:avLst/>
+            <a:gdLst/>
+            <a:ahLst/>
+            <a:cxnLst/>
+            <a:rect l="l" t="t" r="r" b="b"/>
+            <a:pathLst>
+              <a:path w="2450742" h="2685076">
+                <a:moveTo>
+                  <a:pt x="0" y="0"/>
+                </a:moveTo>
+                <a:lnTo>
+                  <a:pt x="2450742" y="0"/>
+                </a:lnTo>
+                <a:lnTo>
+                  <a:pt x="2450742" y="2685076"/>
+                </a:lnTo>
+                <a:lnTo>
+                  <a:pt x="0" y="2685076"/>
+                </a:lnTo>
+                <a:lnTo>
+                  <a:pt x="0" y="0"/>
+                </a:lnTo>
+                <a:close/>
+              </a:path>
+            </a:pathLst>
+          </a:custGeom>
+          <a:blipFill>
+            <a:blip r:embed="rId6">
+              <a:extLst>
+                <a:ext uri="{96DAC541-7B7A-43D3-8B79-37D633B846F1}">
+                  <asvg:svgBlip xmlns:asvg="http://schemas.microsoft.com/office/drawing/2016/SVG/main" r:embed="rId7"/>
+                </a:ext>
+              </a:extLst>
+            </a:blip>
+            <a:stretch>
+              <a:fillRect/>
+            </a:stretch>
+          </a:blipFill>
+        </p:spPr>
+        <p:txBody>
+          <a:bodyPr/>
+          <a:lstStyle/>
+          <a:p>
+            <a:endParaRPr lang="pt-BR"/>
+          </a:p>
+        </p:txBody>
+      </p:sp>
+      <p:sp>
+        <p:nvSpPr>
+          <p:cNvPr id="6" name="TextBox 6"/>
+          <p:cNvSpPr txBox="1"/>
+          <p:nvPr/>
+        </p:nvSpPr>
+        <p:spPr>
+          <a:xfrm>
+            <a:off x="16023695" y="1019175"/>
+            <a:ext cx="1273705" cy="390297"/>
+          </a:xfrm>
+          <a:prstGeom prst="rect">
+            <a:avLst/>
+          </a:prstGeom>
+        </p:spPr>
+        <p:txBody>
+          <a:bodyPr lIns="0" tIns="0" rIns="0" bIns="0" rtlCol="0" anchor="t">
+            <a:spAutoFit/>
+          </a:bodyPr>
+          <a:lstStyle/>
+          <a:p>
+            <a:pPr algn="r">
+              <a:lnSpc>
+                <a:spcPts val="3000"/>
+              </a:lnSpc>
+            </a:pPr>
+            <a:r>
+              <a:rPr lang="en-US" sz="2500" dirty="0">
+                <a:solidFill>
+                  <a:srgbClr val="191824"/>
+                </a:solidFill>
+                <a:latin typeface="HK Grotesk Medium"/>
+              </a:rPr>
+              <a:t>03</a:t>
+            </a:r>
+          </a:p>
+        </p:txBody>
+      </p:sp>
+      <p:grpSp>
+        <p:nvGrpSpPr>
+          <p:cNvPr id="22" name="Agrupar 21">
+            <a:extLst>
+              <a:ext uri="{FF2B5EF4-FFF2-40B4-BE49-F238E27FC236}">
+                <a16:creationId xmlns:a16="http://schemas.microsoft.com/office/drawing/2014/main" id="{4F8A4097-6CED-49D0-9BC9-B7432B999EF9}"/>
+              </a:ext>
+            </a:extLst>
+          </p:cNvPr>
+          <p:cNvGrpSpPr/>
+          <p:nvPr/>
+        </p:nvGrpSpPr>
+        <p:grpSpPr>
+          <a:xfrm>
+            <a:off x="892770" y="3695700"/>
+            <a:ext cx="16709430" cy="6247864"/>
+            <a:chOff x="914400" y="3793512"/>
+            <a:chExt cx="16459199" cy="6247864"/>
+          </a:xfrm>
+        </p:grpSpPr>
+        <p:sp>
+          <p:nvSpPr>
+            <p:cNvPr id="7" name="TextBox 6">
+              <a:extLst>
+                <a:ext uri="{FF2B5EF4-FFF2-40B4-BE49-F238E27FC236}">
+                  <a16:creationId xmlns:a16="http://schemas.microsoft.com/office/drawing/2014/main" id="{891D8E6C-80EB-4E81-B504-AAF2F9022403}"/>
+                </a:ext>
+              </a:extLst>
+            </p:cNvPr>
+            <p:cNvSpPr txBox="1"/>
+            <p:nvPr/>
+          </p:nvSpPr>
+          <p:spPr>
+            <a:xfrm>
+              <a:off x="914400" y="3793512"/>
+              <a:ext cx="16459199" cy="6247864"/>
+            </a:xfrm>
+            <a:prstGeom prst="rect">
+              <a:avLst/>
+            </a:prstGeom>
+            <a:noFill/>
+          </p:spPr>
+          <p:txBody>
+            <a:bodyPr wrap="square" rtlCol="0">
+              <a:spAutoFit/>
+            </a:bodyPr>
+            <a:lstStyle/>
+            <a:p>
+              <a:pPr algn="just"/>
+              <a:r>
+                <a:rPr lang="pt-BR" sz="3200" dirty="0">
+                  <a:cs typeface="Times New Roman" panose="02020603050405020304" pitchFamily="18" charset="0"/>
+                </a:rPr>
+                <a:t>Em um reator batelada, ocorrem duas reações irreversíveis em série conforme a reação a seguir:</a:t>
+              </a:r>
+            </a:p>
+            <a:p>
+              <a:pPr algn="just"/>
+              <a:endParaRPr lang="pt-BR" sz="4800" dirty="0">
+                <a:cs typeface="Times New Roman" panose="02020603050405020304" pitchFamily="18" charset="0"/>
+              </a:endParaRPr>
+            </a:p>
+            <a:p>
+              <a:pPr algn="just"/>
+              <a:r>
+                <a:rPr lang="pt-BR" sz="3200" dirty="0">
+                  <a:cs typeface="Times New Roman" panose="02020603050405020304" pitchFamily="18" charset="0"/>
+                </a:rPr>
+                <a:t>O produto B é considerado desejado, enquanto o produto C é considerado indesejado. A partir do balanço de massa obtém-se o seguinte conjunto de </a:t>
+              </a:r>
+              <a:r>
+                <a:rPr lang="pt-BR" sz="3200" dirty="0" err="1">
+                  <a:cs typeface="Times New Roman" panose="02020603050405020304" pitchFamily="18" charset="0"/>
+                </a:rPr>
+                <a:t>EDOs</a:t>
+              </a:r>
+              <a:r>
+                <a:rPr lang="pt-BR" sz="3200" dirty="0">
+                  <a:cs typeface="Times New Roman" panose="02020603050405020304" pitchFamily="18" charset="0"/>
+                </a:rPr>
+                <a:t> que descrevem o sistema.</a:t>
+              </a:r>
+            </a:p>
+            <a:p>
+              <a:pPr algn="just"/>
+              <a:endParaRPr lang="pt-BR" sz="3200" dirty="0">
+                <a:cs typeface="Times New Roman" panose="02020603050405020304" pitchFamily="18" charset="0"/>
+              </a:endParaRPr>
+            </a:p>
+            <a:p>
+              <a:pPr algn="just"/>
+              <a:endParaRPr lang="pt-BR" sz="3200" dirty="0">
+                <a:cs typeface="Times New Roman" panose="02020603050405020304" pitchFamily="18" charset="0"/>
+              </a:endParaRPr>
+            </a:p>
+            <a:p>
+              <a:pPr algn="just"/>
+              <a:endParaRPr lang="pt-BR" sz="3200" dirty="0">
+                <a:cs typeface="Times New Roman" panose="02020603050405020304" pitchFamily="18" charset="0"/>
+              </a:endParaRPr>
+            </a:p>
+            <a:p>
+              <a:pPr algn="just"/>
+              <a:endParaRPr lang="pt-BR" sz="3200" dirty="0">
+                <a:cs typeface="Times New Roman" panose="02020603050405020304" pitchFamily="18" charset="0"/>
+              </a:endParaRPr>
+            </a:p>
+            <a:p>
+              <a:pPr algn="just"/>
+              <a:endParaRPr lang="pt-BR" sz="3200" dirty="0">
+                <a:cs typeface="Times New Roman" panose="02020603050405020304" pitchFamily="18" charset="0"/>
+              </a:endParaRPr>
+            </a:p>
+            <a:p>
+              <a:pPr algn="just"/>
+              <a:r>
+                <a:rPr lang="pt-BR" sz="3200" dirty="0">
+                  <a:cs typeface="Times New Roman" panose="02020603050405020304" pitchFamily="18" charset="0"/>
+                </a:rPr>
+                <a:t>Plote as concentrações de A, B e C, encontre o valor da concentração e o tempo em que o produto B está em seu valor máximo (Use o vetor tempo variando entre 0 e 5 com 500 pontos no intervalo).</a:t>
+              </a:r>
+              <a:endParaRPr lang="en-US" sz="3200" dirty="0">
+                <a:cs typeface="Times New Roman" panose="02020603050405020304" pitchFamily="18" charset="0"/>
+              </a:endParaRPr>
+            </a:p>
+          </p:txBody>
+        </p:sp>
+        <p:grpSp>
+          <p:nvGrpSpPr>
+            <p:cNvPr id="21" name="Agrupar 20">
+              <a:extLst>
+                <a:ext uri="{FF2B5EF4-FFF2-40B4-BE49-F238E27FC236}">
+                  <a16:creationId xmlns:a16="http://schemas.microsoft.com/office/drawing/2014/main" id="{701F743B-0434-4CDF-BC62-02CCA27E8852}"/>
+                </a:ext>
+              </a:extLst>
+            </p:cNvPr>
+            <p:cNvGrpSpPr/>
+            <p:nvPr/>
+          </p:nvGrpSpPr>
+          <p:grpSpPr>
+            <a:xfrm>
+              <a:off x="3790932" y="4457700"/>
+              <a:ext cx="9815539" cy="3813534"/>
+              <a:chOff x="3790932" y="4457700"/>
+              <a:chExt cx="9815539" cy="3813534"/>
+            </a:xfrm>
+          </p:grpSpPr>
+          <p:pic>
+            <p:nvPicPr>
+              <p:cNvPr id="10" name="Imagem 9">
+                <a:extLst>
+                  <a:ext uri="{FF2B5EF4-FFF2-40B4-BE49-F238E27FC236}">
+                    <a16:creationId xmlns:a16="http://schemas.microsoft.com/office/drawing/2014/main" id="{96797368-AF22-4F0E-BCA7-B71DA9B375CD}"/>
+                  </a:ext>
+                </a:extLst>
+              </p:cNvPr>
+              <p:cNvPicPr>
+                <a:picLocks noChangeAspect="1"/>
+              </p:cNvPicPr>
+              <p:nvPr/>
+            </p:nvPicPr>
+            <p:blipFill rotWithShape="1">
+              <a:blip r:embed="rId8"/>
+              <a:srcRect t="15550" b="15156"/>
+              <a:stretch/>
+            </p:blipFill>
+            <p:spPr>
+              <a:xfrm>
+                <a:off x="7479501" y="4457700"/>
+                <a:ext cx="2438400" cy="575813"/>
+              </a:xfrm>
+              <a:prstGeom prst="rect">
+                <a:avLst/>
+              </a:prstGeom>
+            </p:spPr>
+          </p:pic>
+          <p:grpSp>
+            <p:nvGrpSpPr>
+              <p:cNvPr id="19" name="Agrupar 18">
+                <a:extLst>
+                  <a:ext uri="{FF2B5EF4-FFF2-40B4-BE49-F238E27FC236}">
+                    <a16:creationId xmlns:a16="http://schemas.microsoft.com/office/drawing/2014/main" id="{40BB75C4-FD44-4C54-969F-2AC261E90BC6}"/>
+                  </a:ext>
+                </a:extLst>
+              </p:cNvPr>
+              <p:cNvGrpSpPr/>
+              <p:nvPr/>
+            </p:nvGrpSpPr>
+            <p:grpSpPr>
+              <a:xfrm>
+                <a:off x="3790932" y="6194291"/>
+                <a:ext cx="9815539" cy="2076943"/>
+                <a:chOff x="3790932" y="6194291"/>
+                <a:chExt cx="9815539" cy="2076943"/>
+              </a:xfrm>
+            </p:grpSpPr>
+            <p:pic>
+              <p:nvPicPr>
+                <p:cNvPr id="12" name="Imagem 11">
+                  <a:extLst>
+                    <a:ext uri="{FF2B5EF4-FFF2-40B4-BE49-F238E27FC236}">
+                      <a16:creationId xmlns:a16="http://schemas.microsoft.com/office/drawing/2014/main" id="{40025C2A-1597-4DF8-8FBB-FC02500E3B6C}"/>
+                    </a:ext>
+                  </a:extLst>
+                </p:cNvPr>
+                <p:cNvPicPr>
+                  <a:picLocks noChangeAspect="1"/>
+                </p:cNvPicPr>
+                <p:nvPr/>
+              </p:nvPicPr>
+              <p:blipFill>
+                <a:blip r:embed="rId9"/>
+                <a:stretch>
+                  <a:fillRect/>
+                </a:stretch>
+              </p:blipFill>
+              <p:spPr>
+                <a:xfrm>
+                  <a:off x="3790932" y="6194291"/>
+                  <a:ext cx="2848023" cy="2076943"/>
+                </a:xfrm>
+                <a:prstGeom prst="rect">
+                  <a:avLst/>
+                </a:prstGeom>
+              </p:spPr>
+            </p:pic>
+            <p:pic>
+              <p:nvPicPr>
+                <p:cNvPr id="14" name="Imagem 13">
+                  <a:extLst>
+                    <a:ext uri="{FF2B5EF4-FFF2-40B4-BE49-F238E27FC236}">
+                      <a16:creationId xmlns:a16="http://schemas.microsoft.com/office/drawing/2014/main" id="{11096BF1-B9B3-4EBC-A995-B882BADCA11E}"/>
+                    </a:ext>
+                  </a:extLst>
+                </p:cNvPr>
+                <p:cNvPicPr>
+                  <a:picLocks noChangeAspect="1"/>
+                </p:cNvPicPr>
+                <p:nvPr/>
+              </p:nvPicPr>
+              <p:blipFill>
+                <a:blip r:embed="rId10"/>
+                <a:stretch>
+                  <a:fillRect/>
+                </a:stretch>
+              </p:blipFill>
+              <p:spPr>
+                <a:xfrm>
+                  <a:off x="8686800" y="6537637"/>
+                  <a:ext cx="1464072" cy="1390252"/>
+                </a:xfrm>
+                <a:prstGeom prst="rect">
+                  <a:avLst/>
+                </a:prstGeom>
+              </p:spPr>
+            </p:pic>
+            <p:pic>
+              <p:nvPicPr>
+                <p:cNvPr id="17" name="Imagem 16">
+                  <a:extLst>
+                    <a:ext uri="{FF2B5EF4-FFF2-40B4-BE49-F238E27FC236}">
+                      <a16:creationId xmlns:a16="http://schemas.microsoft.com/office/drawing/2014/main" id="{4233B939-4AEE-4F2E-A13D-74B77559897B}"/>
+                    </a:ext>
+                  </a:extLst>
+                </p:cNvPr>
+                <p:cNvPicPr>
+                  <a:picLocks noChangeAspect="1"/>
+                </p:cNvPicPr>
+                <p:nvPr/>
+              </p:nvPicPr>
+              <p:blipFill>
+                <a:blip r:embed="rId11"/>
+                <a:stretch>
+                  <a:fillRect/>
+                </a:stretch>
+              </p:blipFill>
+              <p:spPr>
+                <a:xfrm>
+                  <a:off x="12198717" y="6704854"/>
+                  <a:ext cx="1407754" cy="1055816"/>
+                </a:xfrm>
+                <a:prstGeom prst="rect">
+                  <a:avLst/>
+                </a:prstGeom>
+              </p:spPr>
+            </p:pic>
+          </p:grpSp>
+        </p:grpSp>
+      </p:grpSp>
     </p:spTree>
     <p:extLst>
       <p:ext uri="{BB962C8B-B14F-4D97-AF65-F5344CB8AC3E}">
